--- a/Team6-RutgersProject04.pptx
+++ b/Team6-RutgersProject04.pptx
@@ -16,10 +16,12 @@
     <p:sldId id="290" r:id="rId10"/>
     <p:sldId id="291" r:id="rId11"/>
     <p:sldId id="292" r:id="rId12"/>
-    <p:sldId id="274" r:id="rId13"/>
-    <p:sldId id="293" r:id="rId14"/>
-    <p:sldId id="278" r:id="rId15"/>
-    <p:sldId id="294" r:id="rId16"/>
+    <p:sldId id="298" r:id="rId13"/>
+    <p:sldId id="274" r:id="rId14"/>
+    <p:sldId id="293" r:id="rId15"/>
+    <p:sldId id="278" r:id="rId16"/>
+    <p:sldId id="294" r:id="rId17"/>
+    <p:sldId id="295" r:id="rId18"/>
   </p:sldIdLst>
   <p:sldSz cx="12192000" cy="6858000"/>
   <p:notesSz cx="6858000" cy="9144000"/>
@@ -369,7 +371,7 @@
           <a:p>
             <a:fld id="{F97813B8-5235-D54A-9E10-3C95313C75AB}" type="datetimeFigureOut">
               <a:rPr lang="en-US" smtClean="0"/>
-              <a:t>6/20/2024</a:t>
+              <a:t>6/25/2024</a:t>
             </a:fld>
             <a:endParaRPr lang="en-US"/>
           </a:p>
@@ -805,7 +807,7 @@
           <a:p>
             <a:fld id="{F97813B8-5235-D54A-9E10-3C95313C75AB}" type="datetimeFigureOut">
               <a:rPr lang="en-US" smtClean="0"/>
-              <a:t>6/20/2024</a:t>
+              <a:t>6/25/2024</a:t>
             </a:fld>
             <a:endParaRPr lang="en-US"/>
           </a:p>
@@ -1055,7 +1057,7 @@
           <a:p>
             <a:fld id="{F97813B8-5235-D54A-9E10-3C95313C75AB}" type="datetimeFigureOut">
               <a:rPr lang="en-US" smtClean="0"/>
-              <a:t>6/20/2024</a:t>
+              <a:t>6/25/2024</a:t>
             </a:fld>
             <a:endParaRPr lang="en-US"/>
           </a:p>
@@ -1363,7 +1365,7 @@
           <a:p>
             <a:fld id="{F97813B8-5235-D54A-9E10-3C95313C75AB}" type="datetimeFigureOut">
               <a:rPr lang="en-US" smtClean="0"/>
-              <a:t>6/20/2024</a:t>
+              <a:t>6/25/2024</a:t>
             </a:fld>
             <a:endParaRPr lang="en-US"/>
           </a:p>
@@ -1681,7 +1683,7 @@
           <a:p>
             <a:fld id="{F97813B8-5235-D54A-9E10-3C95313C75AB}" type="datetimeFigureOut">
               <a:rPr lang="en-US" smtClean="0"/>
-              <a:t>6/20/2024</a:t>
+              <a:t>6/25/2024</a:t>
             </a:fld>
             <a:endParaRPr lang="en-US"/>
           </a:p>
@@ -1983,7 +1985,7 @@
           <a:p>
             <a:fld id="{F97813B8-5235-D54A-9E10-3C95313C75AB}" type="datetimeFigureOut">
               <a:rPr lang="en-US" smtClean="0"/>
-              <a:t>6/20/2024</a:t>
+              <a:t>6/25/2024</a:t>
             </a:fld>
             <a:endParaRPr lang="en-US"/>
           </a:p>
@@ -2350,7 +2352,7 @@
           <a:p>
             <a:fld id="{F97813B8-5235-D54A-9E10-3C95313C75AB}" type="datetimeFigureOut">
               <a:rPr lang="en-US" smtClean="0"/>
-              <a:t>6/20/2024</a:t>
+              <a:t>6/25/2024</a:t>
             </a:fld>
             <a:endParaRPr lang="en-US"/>
           </a:p>
@@ -2524,7 +2526,7 @@
           <a:p>
             <a:fld id="{F97813B8-5235-D54A-9E10-3C95313C75AB}" type="datetimeFigureOut">
               <a:rPr lang="en-US" smtClean="0"/>
-              <a:t>6/20/2024</a:t>
+              <a:t>6/25/2024</a:t>
             </a:fld>
             <a:endParaRPr lang="en-US"/>
           </a:p>
@@ -2704,7 +2706,7 @@
           <a:p>
             <a:fld id="{F97813B8-5235-D54A-9E10-3C95313C75AB}" type="datetimeFigureOut">
               <a:rPr lang="en-US" smtClean="0"/>
-              <a:t>6/20/2024</a:t>
+              <a:t>6/25/2024</a:t>
             </a:fld>
             <a:endParaRPr lang="en-US"/>
           </a:p>
@@ -2874,7 +2876,7 @@
           <a:p>
             <a:fld id="{F97813B8-5235-D54A-9E10-3C95313C75AB}" type="datetimeFigureOut">
               <a:rPr lang="en-US" smtClean="0"/>
-              <a:t>6/20/2024</a:t>
+              <a:t>6/25/2024</a:t>
             </a:fld>
             <a:endParaRPr lang="en-US"/>
           </a:p>
@@ -3124,7 +3126,7 @@
           <a:p>
             <a:fld id="{F97813B8-5235-D54A-9E10-3C95313C75AB}" type="datetimeFigureOut">
               <a:rPr lang="en-US" smtClean="0"/>
-              <a:t>6/20/2024</a:t>
+              <a:t>6/25/2024</a:t>
             </a:fld>
             <a:endParaRPr lang="en-US"/>
           </a:p>
@@ -3360,7 +3362,7 @@
           <a:p>
             <a:fld id="{F97813B8-5235-D54A-9E10-3C95313C75AB}" type="datetimeFigureOut">
               <a:rPr lang="en-US" smtClean="0"/>
-              <a:t>6/20/2024</a:t>
+              <a:t>6/25/2024</a:t>
             </a:fld>
             <a:endParaRPr lang="en-US"/>
           </a:p>
@@ -3742,7 +3744,7 @@
           <a:p>
             <a:fld id="{F97813B8-5235-D54A-9E10-3C95313C75AB}" type="datetimeFigureOut">
               <a:rPr lang="en-US" smtClean="0"/>
-              <a:t>6/20/2024</a:t>
+              <a:t>6/25/2024</a:t>
             </a:fld>
             <a:endParaRPr lang="en-US"/>
           </a:p>
@@ -3860,7 +3862,7 @@
           <a:p>
             <a:fld id="{F97813B8-5235-D54A-9E10-3C95313C75AB}" type="datetimeFigureOut">
               <a:rPr lang="en-US" smtClean="0"/>
-              <a:t>6/20/2024</a:t>
+              <a:t>6/25/2024</a:t>
             </a:fld>
             <a:endParaRPr lang="en-US"/>
           </a:p>
@@ -3955,7 +3957,7 @@
           <a:p>
             <a:fld id="{F97813B8-5235-D54A-9E10-3C95313C75AB}" type="datetimeFigureOut">
               <a:rPr lang="en-US" smtClean="0"/>
-              <a:t>6/20/2024</a:t>
+              <a:t>6/25/2024</a:t>
             </a:fld>
             <a:endParaRPr lang="en-US"/>
           </a:p>
@@ -4210,7 +4212,7 @@
           <a:p>
             <a:fld id="{F97813B8-5235-D54A-9E10-3C95313C75AB}" type="datetimeFigureOut">
               <a:rPr lang="en-US" smtClean="0"/>
-              <a:t>6/20/2024</a:t>
+              <a:t>6/25/2024</a:t>
             </a:fld>
             <a:endParaRPr lang="en-US"/>
           </a:p>
@@ -4493,7 +4495,7 @@
           <a:p>
             <a:fld id="{F97813B8-5235-D54A-9E10-3C95313C75AB}" type="datetimeFigureOut">
               <a:rPr lang="en-US" smtClean="0"/>
-              <a:t>6/20/2024</a:t>
+              <a:t>6/25/2024</a:t>
             </a:fld>
             <a:endParaRPr lang="en-US"/>
           </a:p>
@@ -4899,7 +4901,7 @@
           <a:p>
             <a:fld id="{F97813B8-5235-D54A-9E10-3C95313C75AB}" type="datetimeFigureOut">
               <a:rPr lang="en-US" smtClean="0"/>
-              <a:t>6/20/2024</a:t>
+              <a:t>6/25/2024</a:t>
             </a:fld>
             <a:endParaRPr lang="en-US"/>
           </a:p>
@@ -6675,7 +6677,7 @@
         </p:nvSpPr>
         <p:spPr>
           <a:xfrm>
-            <a:off x="471054" y="220444"/>
+            <a:off x="430599" y="147673"/>
             <a:ext cx="11720945" cy="472284"/>
           </a:xfrm>
           <a:prstGeom prst="rect">
@@ -6701,85 +6703,75 @@
           <a:lstStyle/>
           <a:p>
             <a:r>
-              <a:rPr lang="en-US" b="1" dirty="0" err="1">
+              <a:rPr lang="en-US" b="1" dirty="0">
                 <a:solidFill>
                   <a:schemeClr val="tx1"/>
                 </a:solidFill>
               </a:rPr>
-              <a:t>PySpark</a:t>
-            </a:r>
-            <a:r>
-              <a:rPr lang="en-US" b="1" dirty="0">
-                <a:solidFill>
-                  <a:schemeClr val="tx1"/>
-                </a:solidFill>
-              </a:rPr>
-              <a:t> Query 1 - The Average Price for a 4 Bedroom House Sold per Year</a:t>
-            </a:r>
-          </a:p>
-        </p:txBody>
-      </p:sp>
-      <p:sp>
-        <p:nvSpPr>
-          <p:cNvPr id="4" name="Title 1">
+              <a:t>Neural Network Analysis </a:t>
+            </a:r>
+          </a:p>
+        </p:txBody>
+      </p:sp>
+      <p:sp>
+        <p:nvSpPr>
+          <p:cNvPr id="7" name="TextBox 6">
             <a:extLst>
               <a:ext uri="{FF2B5EF4-FFF2-40B4-BE49-F238E27FC236}">
-                <a16:creationId xmlns:a16="http://schemas.microsoft.com/office/drawing/2014/main" id="{1C61A102-64B6-6F53-4F61-81DC96A2AD68}"/>
+                <a16:creationId xmlns:a16="http://schemas.microsoft.com/office/drawing/2014/main" id="{C0AD196A-28B6-609D-9A16-BCF9C4DFD72C}"/>
               </a:ext>
             </a:extLst>
           </p:cNvPr>
-          <p:cNvSpPr txBox="1">
-            <a:spLocks/>
-          </p:cNvSpPr>
+          <p:cNvSpPr txBox="1"/>
           <p:nvPr/>
         </p:nvSpPr>
         <p:spPr>
           <a:xfrm>
-            <a:off x="1661214" y="4921865"/>
-            <a:ext cx="9591713" cy="472284"/>
+            <a:off x="1124891" y="5310293"/>
+            <a:ext cx="4407408" cy="646331"/>
           </a:xfrm>
           <a:prstGeom prst="rect">
             <a:avLst/>
           </a:prstGeom>
+          <a:noFill/>
         </p:spPr>
         <p:txBody>
-          <a:bodyPr vert="horz" lIns="91440" tIns="45720" rIns="91440" bIns="45720" rtlCol="0" anchor="b">
-            <a:noAutofit/>
+          <a:bodyPr wrap="square" rtlCol="0">
+            <a:spAutoFit/>
           </a:bodyPr>
           <a:lstStyle>
             <a:defPPr>
               <a:defRPr lang="en-US"/>
             </a:defPPr>
             <a:lvl1pPr>
-              <a:lnSpc>
-                <a:spcPct val="90000"/>
-              </a:lnSpc>
-              <a:spcBef>
-                <a:spcPct val="0"/>
-              </a:spcBef>
-              <a:buNone/>
-              <a:defRPr b="1" i="0" u="none" strike="noStrike">
-                <a:solidFill>
-                  <a:srgbClr val="002060"/>
-                </a:solidFill>
-                <a:effectLst/>
-                <a:latin typeface="Söhne"/>
-                <a:ea typeface="+mj-ea"/>
-                <a:cs typeface="+mj-cs"/>
+              <a:defRPr>
+                <a:solidFill>
+                  <a:srgbClr val="040C28"/>
+                </a:solidFill>
+                <a:highlight>
+                  <a:srgbClr val="D3E3FD"/>
+                </a:highlight>
+                <a:latin typeface="Google Sans"/>
               </a:defRPr>
             </a:lvl1pPr>
           </a:lstStyle>
           <a:p>
-            <a:endParaRPr lang="en-US" sz="2800" dirty="0"/>
-          </a:p>
-        </p:txBody>
-      </p:sp>
-      <p:sp>
-        <p:nvSpPr>
-          <p:cNvPr id="10" name="TextBox 9">
+            <a:endParaRPr lang="en-US" dirty="0"/>
+          </a:p>
+          <a:p>
+            <a:r>
+              <a:rPr lang="en-US" dirty="0"/>
+              <a:t>Neural Network Analysis came out to 0.85</a:t>
+            </a:r>
+          </a:p>
+        </p:txBody>
+      </p:sp>
+      <p:sp>
+        <p:nvSpPr>
+          <p:cNvPr id="6" name="TextBox 5">
             <a:extLst>
               <a:ext uri="{FF2B5EF4-FFF2-40B4-BE49-F238E27FC236}">
-                <a16:creationId xmlns:a16="http://schemas.microsoft.com/office/drawing/2014/main" id="{28763994-12C0-F140-744D-49BB1BD96E24}"/>
+                <a16:creationId xmlns:a16="http://schemas.microsoft.com/office/drawing/2014/main" id="{DFDCCAD4-D082-9244-2D91-BC683ADCF64E}"/>
               </a:ext>
             </a:extLst>
           </p:cNvPr>
@@ -6788,8 +6780,8 @@
         </p:nvSpPr>
         <p:spPr>
           <a:xfrm>
-            <a:off x="1144406" y="913172"/>
-            <a:ext cx="5312664" cy="2862322"/>
+            <a:off x="877823" y="767630"/>
+            <a:ext cx="10843121" cy="1200329"/>
           </a:xfrm>
           <a:prstGeom prst="rect">
             <a:avLst/>
@@ -6802,150 +6794,142 @@
           </a:bodyPr>
           <a:lstStyle/>
           <a:p>
+            <a:pPr marL="0" marR="0" lvl="0" indent="0" algn="l" defTabSz="457200" rtl="0" eaLnBrk="1" fontAlgn="auto" latinLnBrk="0" hangingPunct="1">
+              <a:lnSpc>
+                <a:spcPct val="100000"/>
+              </a:lnSpc>
+              <a:spcBef>
+                <a:spcPts val="0"/>
+              </a:spcBef>
+              <a:spcAft>
+                <a:spcPts val="0"/>
+              </a:spcAft>
+              <a:buClrTx/>
+              <a:buSzTx/>
+              <a:buFontTx/>
+              <a:buNone/>
+              <a:tabLst/>
+              <a:defRPr/>
+            </a:pPr>
+            <a:r>
+              <a:rPr kumimoji="0" lang="en-US" sz="1800" b="0" i="0" u="none" strike="noStrike" kern="1200" cap="none" spc="0" normalizeH="0" baseline="0" noProof="0" dirty="0">
+                <a:ln>
+                  <a:noFill/>
+                </a:ln>
+                <a:solidFill>
+                  <a:prstClr val="black"/>
+                </a:solidFill>
+                <a:effectLst/>
+                <a:uLnTx/>
+                <a:uFillTx/>
+                <a:latin typeface="Roboto" panose="02000000000000000000" pitchFamily="2" charset="0"/>
+                <a:ea typeface="+mn-ea"/>
+                <a:cs typeface="+mn-cs"/>
+              </a:rPr>
+              <a:t>Neural Network is an advanced form of machine learning that contains multiple layers of nodes, which perform individual computations.</a:t>
+            </a:r>
+          </a:p>
+          <a:p>
+            <a:pPr marL="0" marR="0" lvl="0" indent="0" algn="l" defTabSz="457200" rtl="0" eaLnBrk="1" fontAlgn="auto" latinLnBrk="0" hangingPunct="1">
+              <a:lnSpc>
+                <a:spcPct val="100000"/>
+              </a:lnSpc>
+              <a:spcBef>
+                <a:spcPts val="0"/>
+              </a:spcBef>
+              <a:spcAft>
+                <a:spcPts val="0"/>
+              </a:spcAft>
+              <a:buClrTx/>
+              <a:buSzTx/>
+              <a:buFontTx/>
+              <a:buNone/>
+              <a:tabLst/>
+              <a:defRPr/>
+            </a:pPr>
+            <a:endParaRPr kumimoji="0" lang="en-US" sz="1800" b="0" i="0" u="none" strike="noStrike" kern="1200" cap="none" spc="0" normalizeH="0" baseline="0" noProof="0" dirty="0">
+              <a:ln>
+                <a:noFill/>
+              </a:ln>
+              <a:solidFill>
+                <a:prstClr val="black"/>
+              </a:solidFill>
+              <a:effectLst/>
+              <a:uLnTx/>
+              <a:uFillTx/>
+              <a:latin typeface="Roboto" panose="02000000000000000000" pitchFamily="2" charset="0"/>
+              <a:ea typeface="+mn-ea"/>
+              <a:cs typeface="+mn-cs"/>
+            </a:endParaRPr>
+          </a:p>
+          <a:p>
+            <a:pPr marL="0" marR="0" lvl="0" indent="0" algn="l" defTabSz="457200" rtl="0" eaLnBrk="1" fontAlgn="auto" latinLnBrk="0" hangingPunct="1">
+              <a:lnSpc>
+                <a:spcPct val="100000"/>
+              </a:lnSpc>
+              <a:spcBef>
+                <a:spcPts val="0"/>
+              </a:spcBef>
+              <a:spcAft>
+                <a:spcPts val="0"/>
+              </a:spcAft>
+              <a:buClrTx/>
+              <a:buSzTx/>
+              <a:buFontTx/>
+              <a:buNone/>
+              <a:tabLst/>
+              <a:defRPr/>
+            </a:pPr>
             <a:r>
               <a:rPr lang="en-US" dirty="0">
                 <a:solidFill>
-                  <a:schemeClr val="bg1"/>
-                </a:solidFill>
-              </a:rPr>
-              <a:t>a = """</a:t>
-            </a:r>
-          </a:p>
-          <a:p>
+                  <a:prstClr val="black"/>
+                </a:solidFill>
+                <a:latin typeface="Roboto" panose="02000000000000000000" pitchFamily="2" charset="0"/>
+              </a:rPr>
+              <a:t>Used Tensor Flow &amp; the Rectified Linear Unit (</a:t>
+            </a:r>
+            <a:r>
+              <a:rPr lang="en-US" dirty="0" err="1">
+                <a:solidFill>
+                  <a:prstClr val="black"/>
+                </a:solidFill>
+                <a:latin typeface="Roboto" panose="02000000000000000000" pitchFamily="2" charset="0"/>
+              </a:rPr>
+              <a:t>ReLU</a:t>
+            </a:r>
             <a:r>
               <a:rPr lang="en-US" dirty="0">
                 <a:solidFill>
-                  <a:schemeClr val="bg1"/>
-                </a:solidFill>
-              </a:rPr>
-              <a:t>SELECT</a:t>
-            </a:r>
-          </a:p>
-          <a:p>
-            <a:r>
-              <a:rPr lang="en-US" dirty="0">
-                <a:solidFill>
-                  <a:schemeClr val="bg1"/>
-                </a:solidFill>
-              </a:rPr>
-              <a:t>  YEAR(</a:t>
-            </a:r>
-            <a:r>
-              <a:rPr lang="en-US" dirty="0" err="1">
-                <a:solidFill>
-                  <a:schemeClr val="bg1"/>
-                </a:solidFill>
-              </a:rPr>
-              <a:t>yr_built</a:t>
-            </a:r>
-            <a:r>
-              <a:rPr lang="en-US" dirty="0">
-                <a:solidFill>
-                  <a:schemeClr val="bg1"/>
-                </a:solidFill>
-              </a:rPr>
-              <a:t>) AS YEAR,</a:t>
-            </a:r>
-          </a:p>
-          <a:p>
-            <a:r>
-              <a:rPr lang="en-US" dirty="0">
-                <a:solidFill>
-                  <a:schemeClr val="bg1"/>
-                </a:solidFill>
-              </a:rPr>
-              <a:t>  ROUND(AVG(price), 2) AS AVERAGE_PRICE</a:t>
-            </a:r>
-          </a:p>
-          <a:p>
-            <a:r>
-              <a:rPr lang="en-US" dirty="0">
-                <a:solidFill>
-                  <a:schemeClr val="bg1"/>
-                </a:solidFill>
-              </a:rPr>
-              <a:t>FROM </a:t>
-            </a:r>
-            <a:r>
-              <a:rPr lang="en-US" dirty="0" err="1">
-                <a:solidFill>
-                  <a:schemeClr val="bg1"/>
-                </a:solidFill>
-              </a:rPr>
-              <a:t>home_sales</a:t>
-            </a:r>
-            <a:endParaRPr lang="en-US" dirty="0">
+                  <a:prstClr val="black"/>
+                </a:solidFill>
+                <a:latin typeface="Roboto" panose="02000000000000000000" pitchFamily="2" charset="0"/>
+              </a:rPr>
+              <a:t>) function</a:t>
+            </a:r>
+            <a:endParaRPr kumimoji="0" lang="en-US" sz="1800" b="0" i="0" u="none" strike="noStrike" kern="1200" cap="none" spc="0" normalizeH="0" baseline="0" noProof="0" dirty="0">
+              <a:ln>
+                <a:noFill/>
+              </a:ln>
               <a:solidFill>
-                <a:schemeClr val="bg1"/>
+                <a:prstClr val="black"/>
               </a:solidFill>
+              <a:effectLst/>
+              <a:uLnTx/>
+              <a:uFillTx/>
+              <a:latin typeface="Roboto" panose="02000000000000000000" pitchFamily="2" charset="0"/>
+              <a:ea typeface="+mn-ea"/>
+              <a:cs typeface="+mn-cs"/>
             </a:endParaRPr>
           </a:p>
-          <a:p>
-            <a:r>
-              <a:rPr lang="en-US" dirty="0">
-                <a:solidFill>
-                  <a:schemeClr val="bg1"/>
-                </a:solidFill>
-              </a:rPr>
-              <a:t>WHERE bedrooms = 4</a:t>
-            </a:r>
-          </a:p>
-          <a:p>
-            <a:r>
-              <a:rPr lang="en-US" dirty="0">
-                <a:solidFill>
-                  <a:schemeClr val="bg1"/>
-                </a:solidFill>
-              </a:rPr>
-              <a:t>GROUP BY YEAR</a:t>
-            </a:r>
-          </a:p>
-          <a:p>
-            <a:r>
-              <a:rPr lang="en-US" dirty="0">
-                <a:solidFill>
-                  <a:schemeClr val="bg1"/>
-                </a:solidFill>
-              </a:rPr>
-              <a:t>ORDER BY YEAR DESC</a:t>
-            </a:r>
-          </a:p>
-          <a:p>
-            <a:r>
-              <a:rPr lang="en-US" dirty="0">
-                <a:solidFill>
-                  <a:schemeClr val="bg1"/>
-                </a:solidFill>
-              </a:rPr>
-              <a:t>"""</a:t>
-            </a:r>
-          </a:p>
-          <a:p>
-            <a:r>
-              <a:rPr lang="en-US" dirty="0" err="1">
-                <a:solidFill>
-                  <a:schemeClr val="bg1"/>
-                </a:solidFill>
-              </a:rPr>
-              <a:t>spark.sql</a:t>
-            </a:r>
-            <a:r>
-              <a:rPr lang="en-US" dirty="0">
-                <a:solidFill>
-                  <a:schemeClr val="bg1"/>
-                </a:solidFill>
-              </a:rPr>
-              <a:t>(a).show()</a:t>
-            </a:r>
-          </a:p>
-        </p:txBody>
-      </p:sp>
-      <p:sp>
-        <p:nvSpPr>
-          <p:cNvPr id="12" name="TextBox 11">
+        </p:txBody>
+      </p:sp>
+      <p:sp>
+        <p:nvSpPr>
+          <p:cNvPr id="9" name="TextBox 8">
             <a:extLst>
               <a:ext uri="{FF2B5EF4-FFF2-40B4-BE49-F238E27FC236}">
-                <a16:creationId xmlns:a16="http://schemas.microsoft.com/office/drawing/2014/main" id="{B3D49C20-3629-9852-DD73-F0F315D873FA}"/>
+                <a16:creationId xmlns:a16="http://schemas.microsoft.com/office/drawing/2014/main" id="{55050077-970D-BD7A-A90A-AF3758AC037C}"/>
               </a:ext>
             </a:extLst>
           </p:cNvPr>
@@ -6954,8 +6938,8 @@
         </p:nvSpPr>
         <p:spPr>
           <a:xfrm>
-            <a:off x="7962761" y="1012954"/>
-            <a:ext cx="3904488" cy="4832092"/>
+            <a:off x="1124891" y="2115632"/>
+            <a:ext cx="6878371" cy="3046988"/>
           </a:xfrm>
           <a:prstGeom prst="rect">
             <a:avLst/>
@@ -6969,222 +6953,316 @@
           <a:lstStyle/>
           <a:p>
             <a:r>
-              <a:rPr lang="en-US" sz="1400" b="1" dirty="0">
+              <a:rPr lang="en-US" sz="1200" b="1" dirty="0">
                 <a:solidFill>
                   <a:schemeClr val="bg1"/>
                 </a:solidFill>
               </a:rPr>
-              <a:t>|YEAR|AVERAGE_PRICE|</a:t>
-            </a:r>
-          </a:p>
-          <a:p>
-            <a:r>
-              <a:rPr lang="en-US" sz="1400" b="1" dirty="0">
+              <a:t># Define the model - deep neural net</a:t>
+            </a:r>
+          </a:p>
+          <a:p>
+            <a:r>
+              <a:rPr lang="en-US" sz="1200" dirty="0" err="1"/>
+              <a:t>nn_model</a:t>
+            </a:r>
+            <a:r>
+              <a:rPr lang="en-US" sz="1200" dirty="0"/>
+              <a:t> = </a:t>
+            </a:r>
+            <a:r>
+              <a:rPr lang="en-US" sz="1200" dirty="0" err="1"/>
+              <a:t>tf.keras.models.Sequential</a:t>
+            </a:r>
+            <a:r>
+              <a:rPr lang="en-US" sz="1200" dirty="0"/>
+              <a:t>()</a:t>
+            </a:r>
+          </a:p>
+          <a:p>
+            <a:r>
+              <a:rPr lang="en-US" sz="1200" dirty="0" err="1"/>
+              <a:t>nn_model.add</a:t>
+            </a:r>
+            <a:r>
+              <a:rPr lang="en-US" sz="1200" dirty="0"/>
+              <a:t>(</a:t>
+            </a:r>
+            <a:r>
+              <a:rPr lang="en-US" sz="1200" dirty="0" err="1"/>
+              <a:t>tf.keras.layers.Dense</a:t>
+            </a:r>
+            <a:r>
+              <a:rPr lang="en-US" sz="1200" dirty="0"/>
+              <a:t>(units=64, activation="</a:t>
+            </a:r>
+            <a:r>
+              <a:rPr lang="en-US" sz="1200" dirty="0" err="1"/>
+              <a:t>relu</a:t>
+            </a:r>
+            <a:r>
+              <a:rPr lang="en-US" sz="1200" dirty="0"/>
+              <a:t>", </a:t>
+            </a:r>
+            <a:r>
+              <a:rPr lang="en-US" sz="1200" dirty="0" err="1"/>
+              <a:t>input_dim</a:t>
+            </a:r>
+            <a:r>
+              <a:rPr lang="en-US" sz="1200" dirty="0"/>
+              <a:t>=</a:t>
+            </a:r>
+            <a:r>
+              <a:rPr lang="en-US" sz="1200" dirty="0" err="1"/>
+              <a:t>X_train.shape</a:t>
+            </a:r>
+            <a:r>
+              <a:rPr lang="en-US" sz="1200" dirty="0"/>
+              <a:t>[1]))</a:t>
+            </a:r>
+          </a:p>
+          <a:p>
+            <a:r>
+              <a:rPr lang="en-US" sz="1200" dirty="0" err="1"/>
+              <a:t>nn_model.add</a:t>
+            </a:r>
+            <a:r>
+              <a:rPr lang="en-US" sz="1200" dirty="0"/>
+              <a:t>(</a:t>
+            </a:r>
+            <a:r>
+              <a:rPr lang="en-US" sz="1200" dirty="0" err="1"/>
+              <a:t>tf.keras.layers.Dense</a:t>
+            </a:r>
+            <a:r>
+              <a:rPr lang="en-US" sz="1200" dirty="0"/>
+              <a:t>(units=32, activation="</a:t>
+            </a:r>
+            <a:r>
+              <a:rPr lang="en-US" sz="1200" dirty="0" err="1"/>
+              <a:t>relu</a:t>
+            </a:r>
+            <a:r>
+              <a:rPr lang="en-US" sz="1200" dirty="0"/>
+              <a:t>"))</a:t>
+            </a:r>
+          </a:p>
+          <a:p>
+            <a:r>
+              <a:rPr lang="en-US" sz="1200" dirty="0" err="1"/>
+              <a:t>nn_model.add</a:t>
+            </a:r>
+            <a:r>
+              <a:rPr lang="en-US" sz="1200" dirty="0"/>
+              <a:t>(</a:t>
+            </a:r>
+            <a:r>
+              <a:rPr lang="en-US" sz="1200" dirty="0" err="1"/>
+              <a:t>tf.keras.layers.Dense</a:t>
+            </a:r>
+            <a:r>
+              <a:rPr lang="en-US" sz="1200" dirty="0"/>
+              <a:t>(units=1, activation="linear"))</a:t>
+            </a:r>
+          </a:p>
+          <a:p>
+            <a:endParaRPr lang="en-US" sz="1200" dirty="0"/>
+          </a:p>
+          <a:p>
+            <a:r>
+              <a:rPr lang="en-US" sz="1200" dirty="0" err="1"/>
+              <a:t>nn_model.compile</a:t>
+            </a:r>
+            <a:r>
+              <a:rPr lang="en-US" sz="1200" dirty="0"/>
+              <a:t>(</a:t>
+            </a:r>
+          </a:p>
+          <a:p>
+            <a:r>
+              <a:rPr lang="en-US" sz="1200" dirty="0"/>
+              <a:t>    optimizer=</a:t>
+            </a:r>
+            <a:r>
+              <a:rPr lang="en-US" sz="1200" dirty="0" err="1"/>
+              <a:t>tf.keras.optimizers.Adam</a:t>
+            </a:r>
+            <a:r>
+              <a:rPr lang="en-US" sz="1200" dirty="0"/>
+              <a:t>(</a:t>
+            </a:r>
+            <a:r>
+              <a:rPr lang="en-US" sz="1200" dirty="0" err="1"/>
+              <a:t>learning_rate</a:t>
+            </a:r>
+            <a:r>
+              <a:rPr lang="en-US" sz="1200" dirty="0"/>
+              <a:t>=0.2),</a:t>
+            </a:r>
+          </a:p>
+          <a:p>
+            <a:r>
+              <a:rPr lang="en-US" sz="1200" dirty="0"/>
+              <a:t>    loss='</a:t>
+            </a:r>
+            <a:r>
+              <a:rPr lang="en-US" sz="1200" dirty="0" err="1"/>
+              <a:t>mean_squared_error</a:t>
+            </a:r>
+            <a:r>
+              <a:rPr lang="en-US" sz="1200" dirty="0"/>
+              <a:t>')</a:t>
+            </a:r>
+          </a:p>
+          <a:p>
+            <a:r>
+              <a:rPr lang="en-US" sz="1200" dirty="0"/>
+              <a:t># Train the model</a:t>
+            </a:r>
+          </a:p>
+          <a:p>
+            <a:r>
+              <a:rPr lang="en-US" sz="1200" dirty="0" err="1"/>
+              <a:t>fit_model</a:t>
+            </a:r>
+            <a:r>
+              <a:rPr lang="en-US" sz="1200" dirty="0"/>
+              <a:t> = </a:t>
+            </a:r>
+            <a:r>
+              <a:rPr lang="en-US" sz="1200" dirty="0" err="1"/>
+              <a:t>nn_model.fit</a:t>
+            </a:r>
+            <a:r>
+              <a:rPr lang="en-US" sz="1200" dirty="0"/>
+              <a:t>(</a:t>
+            </a:r>
+            <a:r>
+              <a:rPr lang="en-US" sz="1200" dirty="0" err="1"/>
+              <a:t>X_train_scaled</a:t>
+            </a:r>
+            <a:r>
+              <a:rPr lang="en-US" sz="1200" dirty="0"/>
+              <a:t>, </a:t>
+            </a:r>
+            <a:r>
+              <a:rPr lang="en-US" sz="1200" dirty="0" err="1"/>
+              <a:t>y_train</a:t>
+            </a:r>
+            <a:r>
+              <a:rPr lang="en-US" sz="1200" dirty="0"/>
+              <a:t>, epochs=50)</a:t>
+            </a:r>
+          </a:p>
+          <a:p>
+            <a:endParaRPr lang="en-US" sz="1200" dirty="0"/>
+          </a:p>
+          <a:p>
+            <a:r>
+              <a:rPr lang="en-US" sz="1200" b="1" dirty="0">
                 <a:solidFill>
                   <a:schemeClr val="bg1"/>
                 </a:solidFill>
               </a:rPr>
-              <a:t>+----+-------------+</a:t>
-            </a:r>
-          </a:p>
-          <a:p>
-            <a:r>
-              <a:rPr lang="en-US" sz="1400" b="1" dirty="0">
-                <a:solidFill>
-                  <a:schemeClr val="bg1"/>
-                </a:solidFill>
-              </a:rPr>
-              <a:t>|2015|    940324.31|</a:t>
-            </a:r>
-          </a:p>
-          <a:p>
-            <a:r>
-              <a:rPr lang="en-US" sz="1400" b="1" dirty="0">
-                <a:solidFill>
-                  <a:schemeClr val="bg1"/>
-                </a:solidFill>
-              </a:rPr>
-              <a:t>|2014|    712226.14|</a:t>
-            </a:r>
-          </a:p>
-          <a:p>
-            <a:r>
-              <a:rPr lang="en-US" sz="1400" b="1" dirty="0">
-                <a:solidFill>
-                  <a:schemeClr val="bg1"/>
-                </a:solidFill>
-              </a:rPr>
-              <a:t>|2013|    729881.97|</a:t>
-            </a:r>
-          </a:p>
-          <a:p>
-            <a:r>
-              <a:rPr lang="en-US" sz="1400" b="1" dirty="0">
-                <a:solidFill>
-                  <a:schemeClr val="bg1"/>
-                </a:solidFill>
-              </a:rPr>
-              <a:t>|2012|    606583.35|</a:t>
-            </a:r>
-          </a:p>
-          <a:p>
-            <a:r>
-              <a:rPr lang="en-US" sz="1400" b="1" dirty="0">
-                <a:solidFill>
-                  <a:schemeClr val="bg1"/>
-                </a:solidFill>
-              </a:rPr>
-              <a:t>|2011|     627180.8|</a:t>
-            </a:r>
-          </a:p>
-          <a:p>
-            <a:r>
-              <a:rPr lang="en-US" sz="1400" b="1" dirty="0">
-                <a:solidFill>
-                  <a:schemeClr val="bg1"/>
-                </a:solidFill>
-              </a:rPr>
-              <a:t>|2010|    605018.37|</a:t>
-            </a:r>
-          </a:p>
-          <a:p>
-            <a:r>
-              <a:rPr lang="en-US" sz="1400" b="1" dirty="0">
-                <a:solidFill>
-                  <a:schemeClr val="bg1"/>
-                </a:solidFill>
-              </a:rPr>
-              <a:t>|2009|     553977.4|</a:t>
-            </a:r>
-          </a:p>
-          <a:p>
-            <a:r>
-              <a:rPr lang="en-US" sz="1400" b="1" dirty="0">
-                <a:solidFill>
-                  <a:schemeClr val="bg1"/>
-                </a:solidFill>
-              </a:rPr>
-              <a:t>|2008|    806330.48|</a:t>
-            </a:r>
-          </a:p>
-          <a:p>
-            <a:r>
-              <a:rPr lang="en-US" sz="1400" b="1" dirty="0">
-                <a:solidFill>
-                  <a:schemeClr val="bg1"/>
-                </a:solidFill>
-              </a:rPr>
-              <a:t>|2007|    764035.91|</a:t>
-            </a:r>
-          </a:p>
-          <a:p>
-            <a:r>
-              <a:rPr lang="en-US" sz="1400" b="1" dirty="0">
-                <a:solidFill>
-                  <a:schemeClr val="bg1"/>
-                </a:solidFill>
-              </a:rPr>
-              <a:t>|2006|    738474.06|</a:t>
-            </a:r>
-          </a:p>
-          <a:p>
-            <a:r>
-              <a:rPr lang="en-US" sz="1400" b="1" dirty="0">
-                <a:solidFill>
-                  <a:schemeClr val="bg1"/>
-                </a:solidFill>
-              </a:rPr>
-              <a:t>|2005|    667901.81|</a:t>
-            </a:r>
-          </a:p>
-          <a:p>
-            <a:r>
-              <a:rPr lang="en-US" sz="1400" b="1" dirty="0">
-                <a:solidFill>
-                  <a:schemeClr val="bg1"/>
-                </a:solidFill>
-              </a:rPr>
-              <a:t>|2004|    658634.77|</a:t>
-            </a:r>
-          </a:p>
-          <a:p>
-            <a:r>
-              <a:rPr lang="en-US" sz="1400" b="1" dirty="0">
-                <a:solidFill>
-                  <a:schemeClr val="bg1"/>
-                </a:solidFill>
-              </a:rPr>
-              <a:t>|2003|    615643.01|</a:t>
-            </a:r>
-          </a:p>
-          <a:p>
-            <a:r>
-              <a:rPr lang="en-US" sz="1400" b="1" dirty="0">
-                <a:solidFill>
-                  <a:schemeClr val="bg1"/>
-                </a:solidFill>
-              </a:rPr>
-              <a:t>|2002|    640074.65|</a:t>
-            </a:r>
-          </a:p>
-          <a:p>
-            <a:r>
-              <a:rPr lang="en-US" sz="1400" b="1" dirty="0">
-                <a:solidFill>
-                  <a:schemeClr val="bg1"/>
-                </a:solidFill>
-              </a:rPr>
-              <a:t>|2001|    731348.23|</a:t>
-            </a:r>
-          </a:p>
-          <a:p>
-            <a:r>
-              <a:rPr lang="en-US" sz="1400" b="1" dirty="0">
-                <a:solidFill>
-                  <a:schemeClr val="bg1"/>
-                </a:solidFill>
-              </a:rPr>
-              <a:t>|2000|    761055.96|</a:t>
-            </a:r>
-          </a:p>
-          <a:p>
-            <a:r>
-              <a:rPr lang="en-US" sz="1400" b="1" dirty="0">
-                <a:solidFill>
-                  <a:schemeClr val="bg1"/>
-                </a:solidFill>
-              </a:rPr>
-              <a:t>|1999|     676729.2|</a:t>
-            </a:r>
-          </a:p>
-          <a:p>
-            <a:r>
-              <a:rPr lang="en-US" sz="1400" b="1" dirty="0">
-                <a:solidFill>
-                  <a:schemeClr val="bg1"/>
-                </a:solidFill>
-              </a:rPr>
-              <a:t>|1998|     653719.7|</a:t>
-            </a:r>
-          </a:p>
-          <a:p>
-            <a:r>
-              <a:rPr lang="en-US" sz="1400" b="1" dirty="0">
-                <a:solidFill>
-                  <a:schemeClr val="bg1"/>
-                </a:solidFill>
-              </a:rPr>
-              <a:t>|1997|    624072.42|</a:t>
-            </a:r>
-          </a:p>
-          <a:p>
-            <a:r>
-              <a:rPr lang="en-US" sz="1400" b="1" dirty="0">
-                <a:solidFill>
-                  <a:schemeClr val="bg1"/>
-                </a:solidFill>
-              </a:rPr>
-              <a:t>|1996|    715369.01|</a:t>
+              <a:t># Evaluate the model using the test data</a:t>
+            </a:r>
+          </a:p>
+          <a:p>
+            <a:r>
+              <a:rPr lang="en-US" sz="1200" dirty="0" err="1"/>
+              <a:t>model_loss</a:t>
+            </a:r>
+            <a:r>
+              <a:rPr lang="en-US" sz="1200" dirty="0"/>
+              <a:t> = </a:t>
+            </a:r>
+            <a:r>
+              <a:rPr lang="en-US" sz="1200" dirty="0" err="1"/>
+              <a:t>nn_model.evaluate</a:t>
+            </a:r>
+            <a:r>
+              <a:rPr lang="en-US" sz="1200" dirty="0"/>
+              <a:t>(</a:t>
+            </a:r>
+            <a:r>
+              <a:rPr lang="en-US" sz="1200" dirty="0" err="1"/>
+              <a:t>X_test_scaled,y_test,verbose</a:t>
+            </a:r>
+            <a:r>
+              <a:rPr lang="en-US" sz="1200" dirty="0"/>
+              <a:t>=1)</a:t>
+            </a:r>
+          </a:p>
+          <a:p>
+            <a:r>
+              <a:rPr lang="en-US" sz="1200" dirty="0"/>
+              <a:t>print(</a:t>
+            </a:r>
+            <a:r>
+              <a:rPr lang="en-US" sz="1200" dirty="0" err="1"/>
+              <a:t>f"Loss</a:t>
+            </a:r>
+            <a:r>
+              <a:rPr lang="en-US" sz="1200" dirty="0"/>
+              <a:t>: {</a:t>
+            </a:r>
+            <a:r>
+              <a:rPr lang="en-US" sz="1200" dirty="0" err="1"/>
+              <a:t>model_loss</a:t>
+            </a:r>
+            <a:r>
+              <a:rPr lang="en-US" sz="1200" dirty="0"/>
+              <a:t>}")</a:t>
+            </a:r>
+          </a:p>
+        </p:txBody>
+      </p:sp>
+      <p:sp>
+        <p:nvSpPr>
+          <p:cNvPr id="10" name="TextBox 9">
+            <a:extLst>
+              <a:ext uri="{FF2B5EF4-FFF2-40B4-BE49-F238E27FC236}">
+                <a16:creationId xmlns:a16="http://schemas.microsoft.com/office/drawing/2014/main" id="{C8FBA012-5300-7ED1-1488-71A7D5CB9E81}"/>
+              </a:ext>
+            </a:extLst>
+          </p:cNvPr>
+          <p:cNvSpPr txBox="1"/>
+          <p:nvPr/>
+        </p:nvSpPr>
+        <p:spPr>
+          <a:xfrm>
+            <a:off x="7596610" y="5956624"/>
+            <a:ext cx="4407408" cy="646331"/>
+          </a:xfrm>
+          <a:prstGeom prst="rect">
+            <a:avLst/>
+          </a:prstGeom>
+          <a:noFill/>
+        </p:spPr>
+        <p:txBody>
+          <a:bodyPr wrap="square" rtlCol="0">
+            <a:spAutoFit/>
+          </a:bodyPr>
+          <a:lstStyle>
+            <a:defPPr>
+              <a:defRPr lang="en-US"/>
+            </a:defPPr>
+            <a:lvl1pPr>
+              <a:defRPr>
+                <a:solidFill>
+                  <a:srgbClr val="040C28"/>
+                </a:solidFill>
+                <a:highlight>
+                  <a:srgbClr val="D3E3FD"/>
+                </a:highlight>
+                <a:latin typeface="Google Sans"/>
+              </a:defRPr>
+            </a:lvl1pPr>
+          </a:lstStyle>
+          <a:p>
+            <a:r>
+              <a:rPr lang="en-US" dirty="0"/>
+              <a:t>Note: Changing Epoch from 50 to 100 had no impact on score</a:t>
             </a:r>
           </a:p>
         </p:txBody>
@@ -7192,7 +7270,7 @@
     </p:spTree>
     <p:extLst>
       <p:ext uri="{BB962C8B-B14F-4D97-AF65-F5344CB8AC3E}">
-        <p14:creationId xmlns:p14="http://schemas.microsoft.com/office/powerpoint/2010/main" val="703512802"/>
+        <p14:creationId xmlns:p14="http://schemas.microsoft.com/office/powerpoint/2010/main" val="3146354638"/>
       </p:ext>
     </p:extLst>
   </p:cSld>
@@ -7284,8 +7362,8 @@
         </p:nvSpPr>
         <p:spPr>
           <a:xfrm>
-            <a:off x="471055" y="62757"/>
-            <a:ext cx="11720945" cy="792510"/>
+            <a:off x="471054" y="220444"/>
+            <a:ext cx="11720945" cy="472284"/>
           </a:xfrm>
           <a:prstGeom prst="rect">
             <a:avLst/>
@@ -7323,7 +7401,7 @@
                   <a:schemeClr val="tx1"/>
                 </a:solidFill>
               </a:rPr>
-              <a:t> Query 2 – The Average Price for each year the home was built that has 3 bedrooms, 3 bathrooms, 2 floors and is greater than or equal to 2,000 sq ft. </a:t>
+              <a:t> Query 1 - The Average Price for a 4 Bedroom House Sold per Year</a:t>
             </a:r>
           </a:p>
         </p:txBody>
@@ -7398,7 +7476,7 @@
         <p:spPr>
           <a:xfrm>
             <a:off x="1144406" y="913172"/>
-            <a:ext cx="5312664" cy="3693319"/>
+            <a:ext cx="5312664" cy="2862322"/>
           </a:xfrm>
           <a:prstGeom prst="rect">
             <a:avLst/>
@@ -7417,7 +7495,7 @@
                   <a:schemeClr val="bg1"/>
                 </a:solidFill>
               </a:rPr>
-              <a:t>c = """</a:t>
+              <a:t>a = """</a:t>
             </a:r>
           </a:p>
           <a:p>
@@ -7453,7 +7531,7 @@
                   <a:schemeClr val="bg1"/>
                 </a:solidFill>
               </a:rPr>
-              <a:t>) AS YEAR_BUILT,</a:t>
+              <a:t>) AS YEAR,</a:t>
             </a:r>
           </a:p>
           <a:p>
@@ -7496,7 +7574,7 @@
                   <a:schemeClr val="bg1"/>
                 </a:solidFill>
               </a:rPr>
-              <a:t>WHERE bedrooms = 3</a:t>
+              <a:t>WHERE bedrooms = 4</a:t>
             </a:r>
           </a:p>
           <a:p>
@@ -7506,7 +7584,7 @@
                   <a:schemeClr val="bg1"/>
                 </a:solidFill>
               </a:rPr>
-              <a:t>and bathrooms = 3</a:t>
+              <a:t>GROUP BY YEAR</a:t>
             </a:r>
           </a:p>
           <a:p>
@@ -7516,15 +7594,27 @@
                   <a:schemeClr val="bg1"/>
                 </a:solidFill>
               </a:rPr>
-              <a:t>and </a:t>
-            </a:r>
+              <a:t>ORDER BY YEAR DESC</a:t>
+            </a:r>
+          </a:p>
+          <a:p>
+            <a:r>
+              <a:rPr lang="en-US" dirty="0">
+                <a:solidFill>
+                  <a:schemeClr val="bg1"/>
+                </a:solidFill>
+              </a:rPr>
+              <a:t>"""</a:t>
+            </a:r>
+          </a:p>
+          <a:p>
             <a:r>
               <a:rPr lang="en-US" dirty="0" err="1">
                 <a:solidFill>
                   <a:schemeClr val="bg1"/>
                 </a:solidFill>
               </a:rPr>
-              <a:t>sqft_living</a:t>
+              <a:t>spark.sql</a:t>
             </a:r>
             <a:r>
               <a:rPr lang="en-US" dirty="0">
@@ -7532,94 +7622,7 @@
                   <a:schemeClr val="bg1"/>
                 </a:solidFill>
               </a:rPr>
-              <a:t> &gt;= 2000</a:t>
-            </a:r>
-          </a:p>
-          <a:p>
-            <a:r>
-              <a:rPr lang="en-US" dirty="0">
-                <a:solidFill>
-                  <a:schemeClr val="bg1"/>
-                </a:solidFill>
-              </a:rPr>
-              <a:t>and floors = 2</a:t>
-            </a:r>
-          </a:p>
-          <a:p>
-            <a:r>
-              <a:rPr lang="en-US" dirty="0">
-                <a:solidFill>
-                  <a:schemeClr val="bg1"/>
-                </a:solidFill>
-              </a:rPr>
-              <a:t>GROUP BY </a:t>
-            </a:r>
-            <a:r>
-              <a:rPr lang="en-US" dirty="0" err="1">
-                <a:solidFill>
-                  <a:schemeClr val="bg1"/>
-                </a:solidFill>
-              </a:rPr>
-              <a:t>yr_built</a:t>
-            </a:r>
-            <a:endParaRPr lang="en-US" dirty="0">
-              <a:solidFill>
-                <a:schemeClr val="bg1"/>
-              </a:solidFill>
-            </a:endParaRPr>
-          </a:p>
-          <a:p>
-            <a:r>
-              <a:rPr lang="en-US" dirty="0">
-                <a:solidFill>
-                  <a:schemeClr val="bg1"/>
-                </a:solidFill>
-              </a:rPr>
-              <a:t>ORDER BY </a:t>
-            </a:r>
-            <a:r>
-              <a:rPr lang="en-US" dirty="0" err="1">
-                <a:solidFill>
-                  <a:schemeClr val="bg1"/>
-                </a:solidFill>
-              </a:rPr>
-              <a:t>yr_built</a:t>
-            </a:r>
-            <a:r>
-              <a:rPr lang="en-US" dirty="0">
-                <a:solidFill>
-                  <a:schemeClr val="bg1"/>
-                </a:solidFill>
-              </a:rPr>
-              <a:t> DESC</a:t>
-            </a:r>
-          </a:p>
-          <a:p>
-            <a:r>
-              <a:rPr lang="en-US" dirty="0">
-                <a:solidFill>
-                  <a:schemeClr val="bg1"/>
-                </a:solidFill>
-              </a:rPr>
-              <a:t>"""</a:t>
-            </a:r>
-          </a:p>
-          <a:p>
-            <a:r>
-              <a:rPr lang="en-US" dirty="0" err="1">
-                <a:solidFill>
-                  <a:schemeClr val="bg1"/>
-                </a:solidFill>
-              </a:rPr>
-              <a:t>spark.sql</a:t>
-            </a:r>
-            <a:r>
-              <a:rPr lang="en-US" dirty="0">
-                <a:solidFill>
-                  <a:schemeClr val="bg1"/>
-                </a:solidFill>
-              </a:rPr>
-              <a:t>(c).show()</a:t>
+              <a:t>(a).show()</a:t>
             </a:r>
           </a:p>
         </p:txBody>
@@ -7639,7 +7642,7 @@
         <p:spPr>
           <a:xfrm>
             <a:off x="7962761" y="1012954"/>
-            <a:ext cx="3904488" cy="5262979"/>
+            <a:ext cx="3904488" cy="4832092"/>
           </a:xfrm>
           <a:prstGeom prst="rect">
             <a:avLst/>
@@ -7658,7 +7661,7 @@
                   <a:schemeClr val="bg1"/>
                 </a:solidFill>
               </a:rPr>
-              <a:t>+----------+-------------+</a:t>
+              <a:t>|YEAR|AVERAGE_PRICE|</a:t>
             </a:r>
           </a:p>
           <a:p>
@@ -7668,7 +7671,7 @@
                   <a:schemeClr val="bg1"/>
                 </a:solidFill>
               </a:rPr>
-              <a:t>|YEAR_BUILT|AVERAGE_PRICE|</a:t>
+              <a:t>+----+-------------+</a:t>
             </a:r>
           </a:p>
           <a:p>
@@ -7678,7 +7681,7 @@
                   <a:schemeClr val="bg1"/>
                 </a:solidFill>
               </a:rPr>
-              <a:t>+----------+-------------+</a:t>
+              <a:t>|2015|    940324.31|</a:t>
             </a:r>
           </a:p>
           <a:p>
@@ -7688,7 +7691,7 @@
                   <a:schemeClr val="bg1"/>
                 </a:solidFill>
               </a:rPr>
-              <a:t>|      2015|    1550000.0|</a:t>
+              <a:t>|2014|    712226.14|</a:t>
             </a:r>
           </a:p>
           <a:p>
@@ -7698,7 +7701,7 @@
                   <a:schemeClr val="bg1"/>
                 </a:solidFill>
               </a:rPr>
-              <a:t>|      2014|    933142.67|</a:t>
+              <a:t>|2013|    729881.97|</a:t>
             </a:r>
           </a:p>
           <a:p>
@@ -7708,7 +7711,7 @@
                   <a:schemeClr val="bg1"/>
                 </a:solidFill>
               </a:rPr>
-              <a:t>|      2013|     570685.0|</a:t>
+              <a:t>|2012|    606583.35|</a:t>
             </a:r>
           </a:p>
           <a:p>
@@ -7718,7 +7721,7 @@
                   <a:schemeClr val="bg1"/>
                 </a:solidFill>
               </a:rPr>
-              <a:t>|      2012|     572500.0|</a:t>
+              <a:t>|2011|     627180.8|</a:t>
             </a:r>
           </a:p>
           <a:p>
@@ -7728,7 +7731,7 @@
                   <a:schemeClr val="bg1"/>
                 </a:solidFill>
               </a:rPr>
-              <a:t>|      2011|     639750.0|</a:t>
+              <a:t>|2010|    605018.37|</a:t>
             </a:r>
           </a:p>
           <a:p>
@@ -7738,7 +7741,7 @@
                   <a:schemeClr val="bg1"/>
                 </a:solidFill>
               </a:rPr>
-              <a:t>|      2010|     721000.0|</a:t>
+              <a:t>|2009|     553977.4|</a:t>
             </a:r>
           </a:p>
           <a:p>
@@ -7748,7 +7751,7 @@
                   <a:schemeClr val="bg1"/>
                 </a:solidFill>
               </a:rPr>
-              <a:t>|      2009|    1011250.0|</a:t>
+              <a:t>|2008|    806330.48|</a:t>
             </a:r>
           </a:p>
           <a:p>
@@ -7758,7 +7761,7 @@
                   <a:schemeClr val="bg1"/>
                 </a:solidFill>
               </a:rPr>
-              <a:t>|      2008|    1064500.0|</a:t>
+              <a:t>|2007|    764035.91|</a:t>
             </a:r>
           </a:p>
           <a:p>
@@ -7768,7 +7771,7 @@
                   <a:schemeClr val="bg1"/>
                 </a:solidFill>
               </a:rPr>
-              <a:t>|      2007|    949777.78|</a:t>
+              <a:t>|2006|    738474.06|</a:t>
             </a:r>
           </a:p>
           <a:p>
@@ -7778,7 +7781,7 @@
                   <a:schemeClr val="bg1"/>
                 </a:solidFill>
               </a:rPr>
-              <a:t>|      2006|    954444.69|</a:t>
+              <a:t>|2005|    667901.81|</a:t>
             </a:r>
           </a:p>
           <a:p>
@@ -7788,7 +7791,7 @@
                   <a:schemeClr val="bg1"/>
                 </a:solidFill>
               </a:rPr>
-              <a:t>|      2005|    792503.85|</a:t>
+              <a:t>|2004|    658634.77|</a:t>
             </a:r>
           </a:p>
           <a:p>
@@ -7798,7 +7801,7 @@
                   <a:schemeClr val="bg1"/>
                 </a:solidFill>
               </a:rPr>
-              <a:t>|      2004|     719500.0|</a:t>
+              <a:t>|2003|    615643.01|</a:t>
             </a:r>
           </a:p>
           <a:p>
@@ -7808,7 +7811,7 @@
                   <a:schemeClr val="bg1"/>
                 </a:solidFill>
               </a:rPr>
-              <a:t>|      2003|     851750.0|</a:t>
+              <a:t>|2002|    640074.65|</a:t>
             </a:r>
           </a:p>
           <a:p>
@@ -7818,7 +7821,7 @@
                   <a:schemeClr val="bg1"/>
                 </a:solidFill>
               </a:rPr>
-              <a:t>|      2002|     863200.0|</a:t>
+              <a:t>|2001|    731348.23|</a:t>
             </a:r>
           </a:p>
           <a:p>
@@ -7828,7 +7831,7 @@
                   <a:schemeClr val="bg1"/>
                 </a:solidFill>
               </a:rPr>
-              <a:t>|      2001|     860875.0|</a:t>
+              <a:t>|2000|    761055.96|</a:t>
             </a:r>
           </a:p>
           <a:p>
@@ -7838,7 +7841,7 @@
                   <a:schemeClr val="bg1"/>
                 </a:solidFill>
               </a:rPr>
-              <a:t>|      2000|    795511.25|</a:t>
+              <a:t>|1999|     676729.2|</a:t>
             </a:r>
           </a:p>
           <a:p>
@@ -7848,7 +7851,7 @@
                   <a:schemeClr val="bg1"/>
                 </a:solidFill>
               </a:rPr>
-              <a:t>|      1999|    845605.56|</a:t>
+              <a:t>|1998|     653719.7|</a:t>
             </a:r>
           </a:p>
           <a:p>
@@ -7858,7 +7861,7 @@
                   <a:schemeClr val="bg1"/>
                 </a:solidFill>
               </a:rPr>
-              <a:t>|      1998|    922142.86|</a:t>
+              <a:t>|1997|    624072.42|</a:t>
             </a:r>
           </a:p>
           <a:p>
@@ -7868,27 +7871,7 @@
                   <a:schemeClr val="bg1"/>
                 </a:solidFill>
               </a:rPr>
-              <a:t>|      1997|     679970.0|</a:t>
-            </a:r>
-          </a:p>
-          <a:p>
-            <a:r>
-              <a:rPr lang="en-US" sz="1400" b="1" dirty="0">
-                <a:solidFill>
-                  <a:schemeClr val="bg1"/>
-                </a:solidFill>
-              </a:rPr>
-              <a:t>|      1996|    1490000.0|</a:t>
-            </a:r>
-          </a:p>
-          <a:p>
-            <a:r>
-              <a:rPr lang="en-US" sz="1400" dirty="0">
-                <a:solidFill>
-                  <a:schemeClr val="bg1"/>
-                </a:solidFill>
-              </a:rPr>
-              <a:t>+----------+-------------</a:t>
+              <a:t>|1996|    715369.01|</a:t>
             </a:r>
           </a:p>
         </p:txBody>
@@ -7896,7 +7879,7 @@
     </p:spTree>
     <p:extLst>
       <p:ext uri="{BB962C8B-B14F-4D97-AF65-F5344CB8AC3E}">
-        <p14:creationId xmlns:p14="http://schemas.microsoft.com/office/powerpoint/2010/main" val="3385765646"/>
+        <p14:creationId xmlns:p14="http://schemas.microsoft.com/office/powerpoint/2010/main" val="703512802"/>
       </p:ext>
     </p:extLst>
   </p:cSld>
@@ -7988,8 +7971,8 @@
         </p:nvSpPr>
         <p:spPr>
           <a:xfrm>
-            <a:off x="471054" y="220444"/>
-            <a:ext cx="11720945" cy="472284"/>
+            <a:off x="471055" y="62757"/>
+            <a:ext cx="11720945" cy="792510"/>
           </a:xfrm>
           <a:prstGeom prst="rect">
             <a:avLst/>
@@ -8014,22 +7997,30 @@
           <a:lstStyle/>
           <a:p>
             <a:r>
+              <a:rPr lang="en-US" b="1" dirty="0" err="1">
+                <a:solidFill>
+                  <a:schemeClr val="tx1"/>
+                </a:solidFill>
+              </a:rPr>
+              <a:t>PySpark</a:t>
+            </a:r>
+            <a:r>
               <a:rPr lang="en-US" b="1" dirty="0">
                 <a:solidFill>
                   <a:schemeClr val="tx1"/>
                 </a:solidFill>
               </a:rPr>
-              <a:t>Overall Findings – Machine Learning Technique Comparison </a:t>
-            </a:r>
-          </a:p>
-        </p:txBody>
-      </p:sp>
-      <p:sp>
-        <p:nvSpPr>
-          <p:cNvPr id="16" name="Title 1">
+              <a:t> Query 2 – The Average Price for each year the home was built that has 3 bedrooms, 3 bathrooms, 2 floors and is greater than or equal to 2,000 sq ft. </a:t>
+            </a:r>
+          </a:p>
+        </p:txBody>
+      </p:sp>
+      <p:sp>
+        <p:nvSpPr>
+          <p:cNvPr id="4" name="Title 1">
             <a:extLst>
               <a:ext uri="{FF2B5EF4-FFF2-40B4-BE49-F238E27FC236}">
-                <a16:creationId xmlns:a16="http://schemas.microsoft.com/office/drawing/2014/main" id="{D5F3F009-32B9-BC56-08E8-65B65102AF55}"/>
+                <a16:creationId xmlns:a16="http://schemas.microsoft.com/office/drawing/2014/main" id="{1C61A102-64B6-6F53-4F61-81DC96A2AD68}"/>
               </a:ext>
             </a:extLst>
           </p:cNvPr>
@@ -8040,8 +8031,8 @@
         </p:nvSpPr>
         <p:spPr>
           <a:xfrm>
-            <a:off x="1535669" y="4684542"/>
-            <a:ext cx="9591713" cy="1316345"/>
+            <a:off x="1661214" y="4921865"/>
+            <a:ext cx="9591713" cy="472284"/>
           </a:xfrm>
           <a:prstGeom prst="rect">
             <a:avLst/>
@@ -8052,7 +8043,10 @@
             <a:noAutofit/>
           </a:bodyPr>
           <a:lstStyle>
-            <a:lvl1pPr algn="ctr" defTabSz="914400" rtl="0" eaLnBrk="1" latinLnBrk="0" hangingPunct="1">
+            <a:defPPr>
+              <a:defRPr lang="en-US"/>
+            </a:defPPr>
+            <a:lvl1pPr>
               <a:lnSpc>
                 <a:spcPct val="90000"/>
               </a:lnSpc>
@@ -8060,53 +8054,47 @@
                 <a:spcPct val="0"/>
               </a:spcBef>
               <a:buNone/>
-              <a:defRPr sz="6000" kern="1200">
-                <a:solidFill>
-                  <a:schemeClr val="tx1"/>
-                </a:solidFill>
-                <a:latin typeface="+mj-lt"/>
+              <a:defRPr b="1" i="0" u="none" strike="noStrike">
+                <a:solidFill>
+                  <a:srgbClr val="002060"/>
+                </a:solidFill>
+                <a:effectLst/>
+                <a:latin typeface="Söhne"/>
                 <a:ea typeface="+mj-ea"/>
                 <a:cs typeface="+mj-cs"/>
               </a:defRPr>
             </a:lvl1pPr>
           </a:lstStyle>
           <a:p>
-            <a:pPr algn="l"/>
-            <a:endParaRPr lang="en-US" sz="2800" b="1" i="0" u="none" strike="noStrike" dirty="0">
-              <a:solidFill>
-                <a:srgbClr val="002060"/>
-              </a:solidFill>
-              <a:effectLst/>
-              <a:latin typeface="Söhne"/>
-            </a:endParaRPr>
-          </a:p>
-        </p:txBody>
-      </p:sp>
-      <p:sp>
-        <p:nvSpPr>
-          <p:cNvPr id="7" name="Text Placeholder 6">
+            <a:endParaRPr lang="en-US" sz="2800" dirty="0"/>
+          </a:p>
+        </p:txBody>
+      </p:sp>
+      <p:sp>
+        <p:nvSpPr>
+          <p:cNvPr id="10" name="TextBox 9">
             <a:extLst>
               <a:ext uri="{FF2B5EF4-FFF2-40B4-BE49-F238E27FC236}">
-                <a16:creationId xmlns:a16="http://schemas.microsoft.com/office/drawing/2014/main" id="{13CEF047-EF2D-8BE9-7C66-465725B9712B}"/>
+                <a16:creationId xmlns:a16="http://schemas.microsoft.com/office/drawing/2014/main" id="{28763994-12C0-F140-744D-49BB1BD96E24}"/>
               </a:ext>
             </a:extLst>
           </p:cNvPr>
-          <p:cNvSpPr>
-            <a:spLocks noGrp="1"/>
-          </p:cNvSpPr>
-          <p:nvPr>
-            <p:ph type="body" idx="1"/>
-          </p:nvPr>
+          <p:cNvSpPr txBox="1"/>
+          <p:nvPr/>
         </p:nvSpPr>
         <p:spPr>
           <a:xfrm>
-            <a:off x="1341437" y="857113"/>
-            <a:ext cx="8535988" cy="5415671"/>
+            <a:off x="1144406" y="913172"/>
+            <a:ext cx="5312664" cy="3693319"/>
           </a:xfrm>
+          <a:prstGeom prst="rect">
+            <a:avLst/>
+          </a:prstGeom>
+          <a:noFill/>
         </p:spPr>
         <p:txBody>
-          <a:bodyPr>
-            <a:normAutofit/>
+          <a:bodyPr wrap="square">
+            <a:spAutoFit/>
           </a:bodyPr>
           <a:lstStyle/>
           <a:p>
@@ -8116,31 +8104,35 @@
                   <a:schemeClr val="bg1"/>
                 </a:solidFill>
               </a:rPr>
-              <a:t>Random Forest outperform both Linear Regression &amp; Decision Tree</a:t>
-            </a:r>
-          </a:p>
-          <a:p>
-            <a:r>
-              <a:rPr lang="en-US" b="1" dirty="0">
+              <a:t>c = """</a:t>
+            </a:r>
+          </a:p>
+          <a:p>
+            <a:r>
+              <a:rPr lang="en-US" dirty="0">
                 <a:solidFill>
                   <a:schemeClr val="bg1"/>
                 </a:solidFill>
               </a:rPr>
-              <a:t>Advantages of Random Forests:</a:t>
-            </a:r>
-          </a:p>
-          <a:p>
-            <a:pPr>
-              <a:buFont typeface="+mj-lt"/>
-              <a:buAutoNum type="arabicPeriod"/>
-            </a:pPr>
-            <a:r>
-              <a:rPr lang="en-US" b="1" dirty="0">
+              <a:t>SELECT</a:t>
+            </a:r>
+          </a:p>
+          <a:p>
+            <a:r>
+              <a:rPr lang="en-US" dirty="0">
                 <a:solidFill>
                   <a:schemeClr val="bg1"/>
                 </a:solidFill>
               </a:rPr>
-              <a:t>Robustness to Overfitting</a:t>
+              <a:t>  YEAR(</a:t>
+            </a:r>
+            <a:r>
+              <a:rPr lang="en-US" dirty="0" err="1">
+                <a:solidFill>
+                  <a:schemeClr val="bg1"/>
+                </a:solidFill>
+              </a:rPr>
+              <a:t>yr_built</a:t>
             </a:r>
             <a:r>
               <a:rPr lang="en-US" dirty="0">
@@ -8148,139 +8140,450 @@
                   <a:schemeClr val="bg1"/>
                 </a:solidFill>
               </a:rPr>
-              <a:t>:</a:t>
-            </a:r>
-          </a:p>
-          <a:p>
-            <a:pPr marL="742950" lvl="1" indent="-285750">
-              <a:buFont typeface="+mj-lt"/>
-              <a:buAutoNum type="arabicPeriod"/>
-            </a:pPr>
-            <a:r>
-              <a:rPr lang="en-US" b="1" dirty="0">
+              <a:t>) AS YEAR_BUILT,</a:t>
+            </a:r>
+          </a:p>
+          <a:p>
+            <a:r>
+              <a:rPr lang="en-US" dirty="0">
                 <a:solidFill>
                   <a:schemeClr val="bg1"/>
                 </a:solidFill>
               </a:rPr>
-              <a:t>Decision Trees</a:t>
-            </a:r>
+              <a:t>  ROUND(AVG(price), 2) AS AVERAGE_PRICE</a:t>
+            </a:r>
+          </a:p>
+          <a:p>
             <a:r>
               <a:rPr lang="en-US" dirty="0">
                 <a:solidFill>
                   <a:schemeClr val="bg1"/>
                 </a:solidFill>
               </a:rPr>
-              <a:t>: Prone to overfitting especially if data is deep and complex</a:t>
-            </a:r>
-          </a:p>
-          <a:p>
-            <a:pPr marL="742950" lvl="1" indent="-285750">
-              <a:buFont typeface="+mj-lt"/>
-              <a:buAutoNum type="arabicPeriod"/>
-            </a:pPr>
-            <a:r>
-              <a:rPr lang="en-US" b="1" dirty="0">
+              <a:t>FROM </a:t>
+            </a:r>
+            <a:r>
+              <a:rPr lang="en-US" dirty="0" err="1">
                 <a:solidFill>
                   <a:schemeClr val="bg1"/>
                 </a:solidFill>
               </a:rPr>
-              <a:t>Random Forests</a:t>
-            </a:r>
-            <a:r>
-              <a:rPr lang="en-US" dirty="0">
-                <a:solidFill>
-                  <a:schemeClr val="bg1"/>
-                </a:solidFill>
-              </a:rPr>
-              <a:t>: By averaging the predictions of multiple trees, reduces the risk of overfitting leading to better generalization on unseen data</a:t>
-            </a:r>
-          </a:p>
-          <a:p>
-            <a:pPr>
-              <a:buFont typeface="+mj-lt"/>
-              <a:buAutoNum type="arabicPeriod"/>
-            </a:pPr>
-            <a:r>
-              <a:rPr lang="en-US" b="1" dirty="0">
-                <a:solidFill>
-                  <a:schemeClr val="bg1"/>
-                </a:solidFill>
-              </a:rPr>
-              <a:t>Handling Non-Linearity</a:t>
-            </a:r>
-            <a:r>
-              <a:rPr lang="en-US" dirty="0">
-                <a:solidFill>
-                  <a:schemeClr val="bg1"/>
-                </a:solidFill>
-              </a:rPr>
-              <a:t>:</a:t>
-            </a:r>
-          </a:p>
-          <a:p>
-            <a:pPr marL="742950" lvl="1" indent="-285750">
-              <a:buFont typeface="+mj-lt"/>
-              <a:buAutoNum type="arabicPeriod"/>
-            </a:pPr>
-            <a:r>
-              <a:rPr lang="en-US" b="1" dirty="0">
-                <a:solidFill>
-                  <a:schemeClr val="bg1"/>
-                </a:solidFill>
-              </a:rPr>
-              <a:t>Linear Regression</a:t>
-            </a:r>
-            <a:r>
-              <a:rPr lang="en-US" dirty="0">
-                <a:solidFill>
-                  <a:schemeClr val="bg1"/>
-                </a:solidFill>
-              </a:rPr>
-              <a:t>: Assumes a linear relationship between the features and the target variable </a:t>
-            </a:r>
-          </a:p>
-          <a:p>
-            <a:pPr marL="742950" lvl="1" indent="-285750">
-              <a:buFont typeface="+mj-lt"/>
-              <a:buAutoNum type="arabicPeriod"/>
-            </a:pPr>
-            <a:r>
-              <a:rPr lang="en-US" b="1" dirty="0">
-                <a:solidFill>
-                  <a:schemeClr val="bg1"/>
-                </a:solidFill>
-              </a:rPr>
-              <a:t>Random Forests</a:t>
-            </a:r>
-            <a:r>
-              <a:rPr lang="en-US" dirty="0">
-                <a:solidFill>
-                  <a:schemeClr val="bg1"/>
-                </a:solidFill>
-              </a:rPr>
-              <a:t>: Can capture complex, non-linear relationships between features and the target variable without requiring explicit feature transformation or interaction terms</a:t>
-            </a:r>
-          </a:p>
-          <a:p>
-            <a:pPr marL="342900" indent="-342900">
-              <a:buFont typeface="Arial" panose="020B0604020202020204" pitchFamily="34" charset="0"/>
-              <a:buChar char="•"/>
-            </a:pPr>
+              <a:t>home_sales</a:t>
+            </a:r>
             <a:endParaRPr lang="en-US" dirty="0">
               <a:solidFill>
-                <a:schemeClr val="bg1">
-                  <a:lumMod val="95000"/>
-                  <a:lumOff val="5000"/>
-                </a:schemeClr>
+                <a:schemeClr val="bg1"/>
               </a:solidFill>
             </a:endParaRPr>
+          </a:p>
+          <a:p>
+            <a:r>
+              <a:rPr lang="en-US" dirty="0">
+                <a:solidFill>
+                  <a:schemeClr val="bg1"/>
+                </a:solidFill>
+              </a:rPr>
+              <a:t>WHERE bedrooms = 3</a:t>
+            </a:r>
+          </a:p>
+          <a:p>
+            <a:r>
+              <a:rPr lang="en-US" dirty="0">
+                <a:solidFill>
+                  <a:schemeClr val="bg1"/>
+                </a:solidFill>
+              </a:rPr>
+              <a:t>and bathrooms = 3</a:t>
+            </a:r>
+          </a:p>
+          <a:p>
+            <a:r>
+              <a:rPr lang="en-US" dirty="0">
+                <a:solidFill>
+                  <a:schemeClr val="bg1"/>
+                </a:solidFill>
+              </a:rPr>
+              <a:t>and </a:t>
+            </a:r>
+            <a:r>
+              <a:rPr lang="en-US" dirty="0" err="1">
+                <a:solidFill>
+                  <a:schemeClr val="bg1"/>
+                </a:solidFill>
+              </a:rPr>
+              <a:t>sqft_living</a:t>
+            </a:r>
+            <a:r>
+              <a:rPr lang="en-US" dirty="0">
+                <a:solidFill>
+                  <a:schemeClr val="bg1"/>
+                </a:solidFill>
+              </a:rPr>
+              <a:t> &gt;= 2000</a:t>
+            </a:r>
+          </a:p>
+          <a:p>
+            <a:r>
+              <a:rPr lang="en-US" dirty="0">
+                <a:solidFill>
+                  <a:schemeClr val="bg1"/>
+                </a:solidFill>
+              </a:rPr>
+              <a:t>and floors = 2</a:t>
+            </a:r>
+          </a:p>
+          <a:p>
+            <a:r>
+              <a:rPr lang="en-US" dirty="0">
+                <a:solidFill>
+                  <a:schemeClr val="bg1"/>
+                </a:solidFill>
+              </a:rPr>
+              <a:t>GROUP BY </a:t>
+            </a:r>
+            <a:r>
+              <a:rPr lang="en-US" dirty="0" err="1">
+                <a:solidFill>
+                  <a:schemeClr val="bg1"/>
+                </a:solidFill>
+              </a:rPr>
+              <a:t>yr_built</a:t>
+            </a:r>
+            <a:endParaRPr lang="en-US" dirty="0">
+              <a:solidFill>
+                <a:schemeClr val="bg1"/>
+              </a:solidFill>
+            </a:endParaRPr>
+          </a:p>
+          <a:p>
+            <a:r>
+              <a:rPr lang="en-US" dirty="0">
+                <a:solidFill>
+                  <a:schemeClr val="bg1"/>
+                </a:solidFill>
+              </a:rPr>
+              <a:t>ORDER BY </a:t>
+            </a:r>
+            <a:r>
+              <a:rPr lang="en-US" dirty="0" err="1">
+                <a:solidFill>
+                  <a:schemeClr val="bg1"/>
+                </a:solidFill>
+              </a:rPr>
+              <a:t>yr_built</a:t>
+            </a:r>
+            <a:r>
+              <a:rPr lang="en-US" dirty="0">
+                <a:solidFill>
+                  <a:schemeClr val="bg1"/>
+                </a:solidFill>
+              </a:rPr>
+              <a:t> DESC</a:t>
+            </a:r>
+          </a:p>
+          <a:p>
+            <a:r>
+              <a:rPr lang="en-US" dirty="0">
+                <a:solidFill>
+                  <a:schemeClr val="bg1"/>
+                </a:solidFill>
+              </a:rPr>
+              <a:t>"""</a:t>
+            </a:r>
+          </a:p>
+          <a:p>
+            <a:r>
+              <a:rPr lang="en-US" dirty="0" err="1">
+                <a:solidFill>
+                  <a:schemeClr val="bg1"/>
+                </a:solidFill>
+              </a:rPr>
+              <a:t>spark.sql</a:t>
+            </a:r>
+            <a:r>
+              <a:rPr lang="en-US" dirty="0">
+                <a:solidFill>
+                  <a:schemeClr val="bg1"/>
+                </a:solidFill>
+              </a:rPr>
+              <a:t>(c).show()</a:t>
+            </a:r>
+          </a:p>
+        </p:txBody>
+      </p:sp>
+      <p:sp>
+        <p:nvSpPr>
+          <p:cNvPr id="12" name="TextBox 11">
+            <a:extLst>
+              <a:ext uri="{FF2B5EF4-FFF2-40B4-BE49-F238E27FC236}">
+                <a16:creationId xmlns:a16="http://schemas.microsoft.com/office/drawing/2014/main" id="{B3D49C20-3629-9852-DD73-F0F315D873FA}"/>
+              </a:ext>
+            </a:extLst>
+          </p:cNvPr>
+          <p:cNvSpPr txBox="1"/>
+          <p:nvPr/>
+        </p:nvSpPr>
+        <p:spPr>
+          <a:xfrm>
+            <a:off x="7962761" y="1012954"/>
+            <a:ext cx="3904488" cy="5262979"/>
+          </a:xfrm>
+          <a:prstGeom prst="rect">
+            <a:avLst/>
+          </a:prstGeom>
+          <a:noFill/>
+        </p:spPr>
+        <p:txBody>
+          <a:bodyPr wrap="square">
+            <a:spAutoFit/>
+          </a:bodyPr>
+          <a:lstStyle/>
+          <a:p>
+            <a:r>
+              <a:rPr lang="en-US" sz="1400" b="1" dirty="0">
+                <a:solidFill>
+                  <a:schemeClr val="bg1"/>
+                </a:solidFill>
+              </a:rPr>
+              <a:t>+----------+-------------+</a:t>
+            </a:r>
+          </a:p>
+          <a:p>
+            <a:r>
+              <a:rPr lang="en-US" sz="1400" b="1" dirty="0">
+                <a:solidFill>
+                  <a:schemeClr val="bg1"/>
+                </a:solidFill>
+              </a:rPr>
+              <a:t>|YEAR_BUILT|AVERAGE_PRICE|</a:t>
+            </a:r>
+          </a:p>
+          <a:p>
+            <a:r>
+              <a:rPr lang="en-US" sz="1400" b="1" dirty="0">
+                <a:solidFill>
+                  <a:schemeClr val="bg1"/>
+                </a:solidFill>
+              </a:rPr>
+              <a:t>+----------+-------------+</a:t>
+            </a:r>
+          </a:p>
+          <a:p>
+            <a:r>
+              <a:rPr lang="en-US" sz="1400" b="1" dirty="0">
+                <a:solidFill>
+                  <a:schemeClr val="bg1"/>
+                </a:solidFill>
+              </a:rPr>
+              <a:t>|      2015|    1550000.0|</a:t>
+            </a:r>
+          </a:p>
+          <a:p>
+            <a:r>
+              <a:rPr lang="en-US" sz="1400" b="1" dirty="0">
+                <a:solidFill>
+                  <a:schemeClr val="bg1"/>
+                </a:solidFill>
+              </a:rPr>
+              <a:t>|      2014|    933142.67|</a:t>
+            </a:r>
+          </a:p>
+          <a:p>
+            <a:r>
+              <a:rPr lang="en-US" sz="1400" b="1" dirty="0">
+                <a:solidFill>
+                  <a:schemeClr val="bg1"/>
+                </a:solidFill>
+              </a:rPr>
+              <a:t>|      2013|     570685.0|</a:t>
+            </a:r>
+          </a:p>
+          <a:p>
+            <a:r>
+              <a:rPr lang="en-US" sz="1400" b="1" dirty="0">
+                <a:solidFill>
+                  <a:schemeClr val="bg1"/>
+                </a:solidFill>
+              </a:rPr>
+              <a:t>|      2012|     572500.0|</a:t>
+            </a:r>
+          </a:p>
+          <a:p>
+            <a:r>
+              <a:rPr lang="en-US" sz="1400" b="1" dirty="0">
+                <a:solidFill>
+                  <a:schemeClr val="bg1"/>
+                </a:solidFill>
+              </a:rPr>
+              <a:t>|      2011|     639750.0|</a:t>
+            </a:r>
+          </a:p>
+          <a:p>
+            <a:r>
+              <a:rPr lang="en-US" sz="1400" b="1" dirty="0">
+                <a:solidFill>
+                  <a:schemeClr val="bg1"/>
+                </a:solidFill>
+              </a:rPr>
+              <a:t>|      2010|     721000.0|</a:t>
+            </a:r>
+          </a:p>
+          <a:p>
+            <a:r>
+              <a:rPr lang="en-US" sz="1400" b="1" dirty="0">
+                <a:solidFill>
+                  <a:schemeClr val="bg1"/>
+                </a:solidFill>
+              </a:rPr>
+              <a:t>|      2009|    1011250.0|</a:t>
+            </a:r>
+          </a:p>
+          <a:p>
+            <a:r>
+              <a:rPr lang="en-US" sz="1400" b="1" dirty="0">
+                <a:solidFill>
+                  <a:schemeClr val="bg1"/>
+                </a:solidFill>
+              </a:rPr>
+              <a:t>|      2008|    1064500.0|</a:t>
+            </a:r>
+          </a:p>
+          <a:p>
+            <a:r>
+              <a:rPr lang="en-US" sz="1400" b="1" dirty="0">
+                <a:solidFill>
+                  <a:schemeClr val="bg1"/>
+                </a:solidFill>
+              </a:rPr>
+              <a:t>|      2007|    949777.78|</a:t>
+            </a:r>
+          </a:p>
+          <a:p>
+            <a:r>
+              <a:rPr lang="en-US" sz="1400" b="1" dirty="0">
+                <a:solidFill>
+                  <a:schemeClr val="bg1"/>
+                </a:solidFill>
+              </a:rPr>
+              <a:t>|      2006|    954444.69|</a:t>
+            </a:r>
+          </a:p>
+          <a:p>
+            <a:r>
+              <a:rPr lang="en-US" sz="1400" b="1" dirty="0">
+                <a:solidFill>
+                  <a:schemeClr val="bg1"/>
+                </a:solidFill>
+              </a:rPr>
+              <a:t>|      2005|    792503.85|</a:t>
+            </a:r>
+          </a:p>
+          <a:p>
+            <a:r>
+              <a:rPr lang="en-US" sz="1400" b="1" dirty="0">
+                <a:solidFill>
+                  <a:schemeClr val="bg1"/>
+                </a:solidFill>
+              </a:rPr>
+              <a:t>|      2004|     719500.0|</a:t>
+            </a:r>
+          </a:p>
+          <a:p>
+            <a:r>
+              <a:rPr lang="en-US" sz="1400" b="1" dirty="0">
+                <a:solidFill>
+                  <a:schemeClr val="bg1"/>
+                </a:solidFill>
+              </a:rPr>
+              <a:t>|      2003|     851750.0|</a:t>
+            </a:r>
+          </a:p>
+          <a:p>
+            <a:r>
+              <a:rPr lang="en-US" sz="1400" b="1" dirty="0">
+                <a:solidFill>
+                  <a:schemeClr val="bg1"/>
+                </a:solidFill>
+              </a:rPr>
+              <a:t>|      2002|     863200.0|</a:t>
+            </a:r>
+          </a:p>
+          <a:p>
+            <a:r>
+              <a:rPr lang="en-US" sz="1400" b="1" dirty="0">
+                <a:solidFill>
+                  <a:schemeClr val="bg1"/>
+                </a:solidFill>
+              </a:rPr>
+              <a:t>|      2001|     860875.0|</a:t>
+            </a:r>
+          </a:p>
+          <a:p>
+            <a:r>
+              <a:rPr lang="en-US" sz="1400" b="1" dirty="0">
+                <a:solidFill>
+                  <a:schemeClr val="bg1"/>
+                </a:solidFill>
+              </a:rPr>
+              <a:t>|      2000|    795511.25|</a:t>
+            </a:r>
+          </a:p>
+          <a:p>
+            <a:r>
+              <a:rPr lang="en-US" sz="1400" b="1" dirty="0">
+                <a:solidFill>
+                  <a:schemeClr val="bg1"/>
+                </a:solidFill>
+              </a:rPr>
+              <a:t>|      1999|    845605.56|</a:t>
+            </a:r>
+          </a:p>
+          <a:p>
+            <a:r>
+              <a:rPr lang="en-US" sz="1400" b="1" dirty="0">
+                <a:solidFill>
+                  <a:schemeClr val="bg1"/>
+                </a:solidFill>
+              </a:rPr>
+              <a:t>|      1998|    922142.86|</a:t>
+            </a:r>
+          </a:p>
+          <a:p>
+            <a:r>
+              <a:rPr lang="en-US" sz="1400" b="1" dirty="0">
+                <a:solidFill>
+                  <a:schemeClr val="bg1"/>
+                </a:solidFill>
+              </a:rPr>
+              <a:t>|      1997|     679970.0|</a:t>
+            </a:r>
+          </a:p>
+          <a:p>
+            <a:r>
+              <a:rPr lang="en-US" sz="1400" b="1" dirty="0">
+                <a:solidFill>
+                  <a:schemeClr val="bg1"/>
+                </a:solidFill>
+              </a:rPr>
+              <a:t>|      1996|    1490000.0|</a:t>
+            </a:r>
+          </a:p>
+          <a:p>
+            <a:r>
+              <a:rPr lang="en-US" sz="1400" dirty="0">
+                <a:solidFill>
+                  <a:schemeClr val="bg1"/>
+                </a:solidFill>
+              </a:rPr>
+              <a:t>+----------+-------------</a:t>
+            </a:r>
           </a:p>
         </p:txBody>
       </p:sp>
     </p:spTree>
     <p:extLst>
       <p:ext uri="{BB962C8B-B14F-4D97-AF65-F5344CB8AC3E}">
-        <p14:creationId xmlns:p14="http://schemas.microsoft.com/office/powerpoint/2010/main" val="2483675600"/>
+        <p14:creationId xmlns:p14="http://schemas.microsoft.com/office/powerpoint/2010/main" val="3385765646"/>
       </p:ext>
     </p:extLst>
   </p:cSld>
@@ -8403,7 +8706,7 @@
                   <a:schemeClr val="tx1"/>
                 </a:solidFill>
               </a:rPr>
-              <a:t>Overall Findings – Random Forest </a:t>
+              <a:t>Overall Findings – Machine Learning Technique Comparison </a:t>
             </a:r>
           </a:p>
         </p:txBody>
@@ -8485,7 +8788,7 @@
         <p:spPr>
           <a:xfrm>
             <a:off x="1341437" y="857113"/>
-            <a:ext cx="10379508" cy="5315087"/>
+            <a:ext cx="8535988" cy="5415671"/>
           </a:xfrm>
         </p:spPr>
         <p:txBody>
@@ -8494,9 +8797,29 @@
           </a:bodyPr>
           <a:lstStyle/>
           <a:p>
-            <a:pPr marL="342900" indent="-342900">
-              <a:buFont typeface="Arial" panose="020B0604020202020204" pitchFamily="34" charset="0"/>
-              <a:buChar char="•"/>
+            <a:r>
+              <a:rPr lang="en-US" dirty="0">
+                <a:solidFill>
+                  <a:schemeClr val="bg1"/>
+                </a:solidFill>
+              </a:rPr>
+              <a:t>Random Forest outperforms both Linear Regression &amp; Decision Tree</a:t>
+            </a:r>
+          </a:p>
+          <a:p>
+            <a:r>
+              <a:rPr lang="en-US" b="1" dirty="0">
+                <a:solidFill>
+                  <a:schemeClr val="bg1"/>
+                </a:solidFill>
+              </a:rPr>
+              <a:t>Advantages of Random Forests:</a:t>
+            </a:r>
+          </a:p>
+          <a:p>
+            <a:pPr>
+              <a:buFont typeface="+mj-lt"/>
+              <a:buAutoNum type="arabicPeriod"/>
             </a:pPr>
             <a:r>
               <a:rPr lang="en-US" b="1" dirty="0">
@@ -8504,7 +8827,7 @@
                   <a:schemeClr val="bg1"/>
                 </a:solidFill>
               </a:rPr>
-              <a:t>Feature Importance: </a:t>
+              <a:t>Robustness to Overfitting</a:t>
             </a:r>
             <a:r>
               <a:rPr lang="en-US" dirty="0">
@@ -8512,13 +8835,13 @@
                   <a:schemeClr val="bg1"/>
                 </a:solidFill>
               </a:rPr>
-              <a:t>provides insights into feature importance, helping to identify which features are the most significant in predicting the target variable </a:t>
-            </a:r>
-          </a:p>
-          <a:p>
-            <a:pPr marL="342900" indent="-342900">
-              <a:buFont typeface="Arial" panose="020B0604020202020204" pitchFamily="34" charset="0"/>
-              <a:buChar char="•"/>
+              <a:t>:</a:t>
+            </a:r>
+          </a:p>
+          <a:p>
+            <a:pPr marL="742950" lvl="1" indent="-285750">
+              <a:buFont typeface="+mj-lt"/>
+              <a:buAutoNum type="arabicPeriod"/>
             </a:pPr>
             <a:r>
               <a:rPr lang="en-US" b="1" dirty="0">
@@ -8526,7 +8849,7 @@
                   <a:schemeClr val="bg1"/>
                 </a:solidFill>
               </a:rPr>
-              <a:t>Handling Missing Values</a:t>
+              <a:t>Decision Trees</a:t>
             </a:r>
             <a:r>
               <a:rPr lang="en-US" dirty="0">
@@ -8534,13 +8857,13 @@
                   <a:schemeClr val="bg1"/>
                 </a:solidFill>
               </a:rPr>
-              <a:t>: often fill in missing data by using proximity to other data points.</a:t>
-            </a:r>
-          </a:p>
-          <a:p>
-            <a:pPr marL="342900" indent="-342900">
-              <a:buFont typeface="Arial" panose="020B0604020202020204" pitchFamily="34" charset="0"/>
-              <a:buChar char="•"/>
+              <a:t>: Prone to overfitting especially if data is deep and complex</a:t>
+            </a:r>
+          </a:p>
+          <a:p>
+            <a:pPr marL="742950" lvl="1" indent="-285750">
+              <a:buFont typeface="+mj-lt"/>
+              <a:buAutoNum type="arabicPeriod"/>
             </a:pPr>
             <a:r>
               <a:rPr lang="en-US" b="1" dirty="0">
@@ -8548,7 +8871,7 @@
                   <a:schemeClr val="bg1"/>
                 </a:solidFill>
               </a:rPr>
-              <a:t>Robustness to Noisy Data</a:t>
+              <a:t>Random Forests</a:t>
             </a:r>
             <a:r>
               <a:rPr lang="en-US" dirty="0">
@@ -8556,7 +8879,73 @@
                   <a:schemeClr val="bg1"/>
                 </a:solidFill>
               </a:rPr>
-              <a:t>: the averaging helps to reduce the impact of noise in the data, making it more robust compared to single models</a:t>
+              <a:t>: By averaging the predictions of multiple trees, reduces the risk of overfitting leading to better generalization on unseen data</a:t>
+            </a:r>
+          </a:p>
+          <a:p>
+            <a:pPr>
+              <a:buFont typeface="+mj-lt"/>
+              <a:buAutoNum type="arabicPeriod"/>
+            </a:pPr>
+            <a:r>
+              <a:rPr lang="en-US" b="1" dirty="0">
+                <a:solidFill>
+                  <a:schemeClr val="bg1"/>
+                </a:solidFill>
+              </a:rPr>
+              <a:t>Handling Non-Linearity</a:t>
+            </a:r>
+            <a:r>
+              <a:rPr lang="en-US" dirty="0">
+                <a:solidFill>
+                  <a:schemeClr val="bg1"/>
+                </a:solidFill>
+              </a:rPr>
+              <a:t>:</a:t>
+            </a:r>
+          </a:p>
+          <a:p>
+            <a:pPr marL="742950" lvl="1" indent="-285750">
+              <a:buFont typeface="+mj-lt"/>
+              <a:buAutoNum type="arabicPeriod"/>
+            </a:pPr>
+            <a:r>
+              <a:rPr lang="en-US" b="1" dirty="0">
+                <a:solidFill>
+                  <a:schemeClr val="bg1"/>
+                </a:solidFill>
+              </a:rPr>
+              <a:t>Linear Regression</a:t>
+            </a:r>
+            <a:r>
+              <a:rPr lang="en-US" dirty="0">
+                <a:solidFill>
+                  <a:schemeClr val="bg1"/>
+                </a:solidFill>
+              </a:rPr>
+              <a:t>: Assumes a linear relationship between the features and the target variable </a:t>
+            </a:r>
+          </a:p>
+          <a:p>
+            <a:pPr marL="742950" lvl="1" indent="-285750">
+              <a:buFont typeface="+mj-lt"/>
+              <a:buAutoNum type="arabicPeriod"/>
+            </a:pPr>
+            <a:r>
+              <a:rPr lang="en-US" b="1" dirty="0">
+                <a:solidFill>
+                  <a:schemeClr val="bg1"/>
+                </a:solidFill>
+              </a:rPr>
+              <a:t>Random Forests</a:t>
+            </a:r>
+            <a:r>
+              <a:rPr lang="en-US" dirty="0">
+                <a:solidFill>
+                  <a:schemeClr val="bg1"/>
+                </a:solidFill>
+              </a:rPr>
+              <a:t>: Can capture complex, non-linear relationships between features and the target variable without requiring explicit feature transformation or interaction terms</a:t>
             </a:r>
           </a:p>
           <a:p>
@@ -8573,6 +8962,304 @@
               </a:solidFill>
             </a:endParaRPr>
           </a:p>
+        </p:txBody>
+      </p:sp>
+    </p:spTree>
+    <p:extLst>
+      <p:ext uri="{BB962C8B-B14F-4D97-AF65-F5344CB8AC3E}">
+        <p14:creationId xmlns:p14="http://schemas.microsoft.com/office/powerpoint/2010/main" val="2483675600"/>
+      </p:ext>
+    </p:extLst>
+  </p:cSld>
+  <p:clrMapOvr>
+    <a:masterClrMapping/>
+  </p:clrMapOvr>
+</p:sld>
+</file>
+
+<file path=ppt/slides/slide16.xml><?xml version="1.0" encoding="utf-8"?>
+<p:sld xmlns:a="http://schemas.openxmlformats.org/drawingml/2006/main" xmlns:r="http://schemas.openxmlformats.org/officeDocument/2006/relationships" xmlns:p="http://schemas.openxmlformats.org/presentationml/2006/main">
+  <p:cSld>
+    <p:spTree>
+      <p:nvGrpSpPr>
+        <p:cNvPr id="1" name=""/>
+        <p:cNvGrpSpPr/>
+        <p:nvPr/>
+      </p:nvGrpSpPr>
+      <p:grpSpPr>
+        <a:xfrm>
+          <a:off x="0" y="0"/>
+          <a:ext cx="0" cy="0"/>
+          <a:chOff x="0" y="0"/>
+          <a:chExt cx="0" cy="0"/>
+        </a:xfrm>
+      </p:grpSpPr>
+      <p:sp>
+        <p:nvSpPr>
+          <p:cNvPr id="3" name="Rectangle 2">
+            <a:extLst>
+              <a:ext uri="{FF2B5EF4-FFF2-40B4-BE49-F238E27FC236}">
+                <a16:creationId xmlns:a16="http://schemas.microsoft.com/office/drawing/2014/main" id="{8C6A9DB4-DF3D-0CCA-E4B9-CEF8BD84E481}"/>
+              </a:ext>
+            </a:extLst>
+          </p:cNvPr>
+          <p:cNvSpPr/>
+          <p:nvPr/>
+        </p:nvSpPr>
+        <p:spPr>
+          <a:xfrm>
+            <a:off x="471055" y="0"/>
+            <a:ext cx="489527" cy="6858000"/>
+          </a:xfrm>
+          <a:prstGeom prst="rect">
+            <a:avLst/>
+          </a:prstGeom>
+          <a:solidFill>
+            <a:schemeClr val="accent1">
+              <a:lumMod val="50000"/>
+            </a:schemeClr>
+          </a:solidFill>
+        </p:spPr>
+        <p:style>
+          <a:lnRef idx="2">
+            <a:schemeClr val="accent2">
+              <a:shade val="15000"/>
+            </a:schemeClr>
+          </a:lnRef>
+          <a:fillRef idx="1">
+            <a:schemeClr val="accent2"/>
+          </a:fillRef>
+          <a:effectRef idx="0">
+            <a:schemeClr val="accent2"/>
+          </a:effectRef>
+          <a:fontRef idx="minor">
+            <a:schemeClr val="lt1"/>
+          </a:fontRef>
+        </p:style>
+        <p:txBody>
+          <a:bodyPr rtlCol="0" anchor="ctr"/>
+          <a:lstStyle/>
+          <a:p>
+            <a:pPr algn="ctr"/>
+            <a:endParaRPr lang="en-US"/>
+          </a:p>
+        </p:txBody>
+      </p:sp>
+      <p:sp>
+        <p:nvSpPr>
+          <p:cNvPr id="5" name="Rectangle 4">
+            <a:extLst>
+              <a:ext uri="{FF2B5EF4-FFF2-40B4-BE49-F238E27FC236}">
+                <a16:creationId xmlns:a16="http://schemas.microsoft.com/office/drawing/2014/main" id="{2A65239F-69CC-9D4A-27D7-8C40CC07F102}"/>
+              </a:ext>
+            </a:extLst>
+          </p:cNvPr>
+          <p:cNvSpPr/>
+          <p:nvPr/>
+        </p:nvSpPr>
+        <p:spPr>
+          <a:xfrm>
+            <a:off x="471054" y="220444"/>
+            <a:ext cx="11720945" cy="472284"/>
+          </a:xfrm>
+          <a:prstGeom prst="rect">
+            <a:avLst/>
+          </a:prstGeom>
+        </p:spPr>
+        <p:style>
+          <a:lnRef idx="3">
+            <a:schemeClr val="lt1"/>
+          </a:lnRef>
+          <a:fillRef idx="1">
+            <a:schemeClr val="accent1"/>
+          </a:fillRef>
+          <a:effectRef idx="1">
+            <a:schemeClr val="accent1"/>
+          </a:effectRef>
+          <a:fontRef idx="minor">
+            <a:schemeClr val="lt1"/>
+          </a:fontRef>
+        </p:style>
+        <p:txBody>
+          <a:bodyPr rtlCol="0" anchor="ctr"/>
+          <a:lstStyle/>
+          <a:p>
+            <a:r>
+              <a:rPr lang="en-US" b="1" dirty="0">
+                <a:solidFill>
+                  <a:schemeClr val="tx1"/>
+                </a:solidFill>
+              </a:rPr>
+              <a:t>Overall Findings – Random Forest &amp; Neural Network </a:t>
+            </a:r>
+          </a:p>
+        </p:txBody>
+      </p:sp>
+      <p:sp>
+        <p:nvSpPr>
+          <p:cNvPr id="16" name="Title 1">
+            <a:extLst>
+              <a:ext uri="{FF2B5EF4-FFF2-40B4-BE49-F238E27FC236}">
+                <a16:creationId xmlns:a16="http://schemas.microsoft.com/office/drawing/2014/main" id="{D5F3F009-32B9-BC56-08E8-65B65102AF55}"/>
+              </a:ext>
+            </a:extLst>
+          </p:cNvPr>
+          <p:cNvSpPr txBox="1">
+            <a:spLocks/>
+          </p:cNvSpPr>
+          <p:nvPr/>
+        </p:nvSpPr>
+        <p:spPr>
+          <a:xfrm>
+            <a:off x="1535669" y="4684542"/>
+            <a:ext cx="9591713" cy="1316345"/>
+          </a:xfrm>
+          <a:prstGeom prst="rect">
+            <a:avLst/>
+          </a:prstGeom>
+        </p:spPr>
+        <p:txBody>
+          <a:bodyPr vert="horz" lIns="91440" tIns="45720" rIns="91440" bIns="45720" rtlCol="0" anchor="b">
+            <a:noAutofit/>
+          </a:bodyPr>
+          <a:lstStyle>
+            <a:lvl1pPr algn="ctr" defTabSz="914400" rtl="0" eaLnBrk="1" latinLnBrk="0" hangingPunct="1">
+              <a:lnSpc>
+                <a:spcPct val="90000"/>
+              </a:lnSpc>
+              <a:spcBef>
+                <a:spcPct val="0"/>
+              </a:spcBef>
+              <a:buNone/>
+              <a:defRPr sz="6000" kern="1200">
+                <a:solidFill>
+                  <a:schemeClr val="tx1"/>
+                </a:solidFill>
+                <a:latin typeface="+mj-lt"/>
+                <a:ea typeface="+mj-ea"/>
+                <a:cs typeface="+mj-cs"/>
+              </a:defRPr>
+            </a:lvl1pPr>
+          </a:lstStyle>
+          <a:p>
+            <a:pPr algn="l"/>
+            <a:endParaRPr lang="en-US" sz="2800" b="1" i="0" u="none" strike="noStrike" dirty="0">
+              <a:solidFill>
+                <a:srgbClr val="002060"/>
+              </a:solidFill>
+              <a:effectLst/>
+              <a:latin typeface="Söhne"/>
+            </a:endParaRPr>
+          </a:p>
+        </p:txBody>
+      </p:sp>
+      <p:sp>
+        <p:nvSpPr>
+          <p:cNvPr id="7" name="Text Placeholder 6">
+            <a:extLst>
+              <a:ext uri="{FF2B5EF4-FFF2-40B4-BE49-F238E27FC236}">
+                <a16:creationId xmlns:a16="http://schemas.microsoft.com/office/drawing/2014/main" id="{13CEF047-EF2D-8BE9-7C66-465725B9712B}"/>
+              </a:ext>
+            </a:extLst>
+          </p:cNvPr>
+          <p:cNvSpPr>
+            <a:spLocks noGrp="1"/>
+          </p:cNvSpPr>
+          <p:nvPr>
+            <p:ph type="body" idx="1"/>
+          </p:nvPr>
+        </p:nvSpPr>
+        <p:spPr>
+          <a:xfrm>
+            <a:off x="1341437" y="857113"/>
+            <a:ext cx="10379508" cy="5780443"/>
+          </a:xfrm>
+        </p:spPr>
+        <p:txBody>
+          <a:bodyPr>
+            <a:normAutofit/>
+          </a:bodyPr>
+          <a:lstStyle/>
+          <a:p>
+            <a:pPr marL="342900" indent="-342900">
+              <a:buFont typeface="Arial" panose="020B0604020202020204" pitchFamily="34" charset="0"/>
+              <a:buChar char="•"/>
+            </a:pPr>
+            <a:r>
+              <a:rPr lang="en-US" b="1" dirty="0">
+                <a:solidFill>
+                  <a:schemeClr val="bg1"/>
+                </a:solidFill>
+              </a:rPr>
+              <a:t>Random Forest</a:t>
+            </a:r>
+          </a:p>
+          <a:p>
+            <a:pPr marL="800100" lvl="1" indent="-342900">
+              <a:buFont typeface="Arial" panose="020B0604020202020204" pitchFamily="34" charset="0"/>
+              <a:buChar char="•"/>
+            </a:pPr>
+            <a:r>
+              <a:rPr lang="en-US" b="1" dirty="0">
+                <a:solidFill>
+                  <a:schemeClr val="bg1"/>
+                </a:solidFill>
+              </a:rPr>
+              <a:t>Feature Importance: </a:t>
+            </a:r>
+            <a:r>
+              <a:rPr lang="en-US" dirty="0">
+                <a:solidFill>
+                  <a:schemeClr val="bg1"/>
+                </a:solidFill>
+              </a:rPr>
+              <a:t>provides insights into feature importance, helping to identify which features are the most significant in predicting the target variable </a:t>
+            </a:r>
+          </a:p>
+          <a:p>
+            <a:pPr marL="800100" lvl="1" indent="-342900">
+              <a:buFont typeface="Arial" panose="020B0604020202020204" pitchFamily="34" charset="0"/>
+              <a:buChar char="•"/>
+            </a:pPr>
+            <a:r>
+              <a:rPr lang="en-US" b="1" dirty="0">
+                <a:solidFill>
+                  <a:schemeClr val="bg1"/>
+                </a:solidFill>
+              </a:rPr>
+              <a:t>Handling Missing Values</a:t>
+            </a:r>
+            <a:r>
+              <a:rPr lang="en-US" dirty="0">
+                <a:solidFill>
+                  <a:schemeClr val="bg1"/>
+                </a:solidFill>
+              </a:rPr>
+              <a:t>: often fill in missing data by using proximity to other data points.</a:t>
+            </a:r>
+          </a:p>
+          <a:p>
+            <a:pPr marL="800100" lvl="1" indent="-342900">
+              <a:buFont typeface="Arial" panose="020B0604020202020204" pitchFamily="34" charset="0"/>
+              <a:buChar char="•"/>
+            </a:pPr>
+            <a:r>
+              <a:rPr lang="en-US" b="1" dirty="0">
+                <a:solidFill>
+                  <a:schemeClr val="bg1"/>
+                </a:solidFill>
+              </a:rPr>
+              <a:t>Robustness to Noisy Data</a:t>
+            </a:r>
+            <a:r>
+              <a:rPr lang="en-US" dirty="0">
+                <a:solidFill>
+                  <a:schemeClr val="bg1"/>
+                </a:solidFill>
+              </a:rPr>
+              <a:t>: the averaging helps to reduce the impact of noise in the data, making it more robust compared to single models</a:t>
+            </a:r>
+          </a:p>
           <a:p>
             <a:pPr marL="342900" indent="-342900">
               <a:buFont typeface="Arial" panose="020B0604020202020204" pitchFamily="34" charset="0"/>
@@ -8641,6 +9328,51 @@
                   <a:lumOff val="5000"/>
                 </a:schemeClr>
               </a:solidFill>
+            </a:endParaRPr>
+          </a:p>
+          <a:p>
+            <a:pPr marL="342900" indent="-342900">
+              <a:buFont typeface="Arial" panose="020B0604020202020204" pitchFamily="34" charset="0"/>
+              <a:buChar char="•"/>
+            </a:pPr>
+            <a:r>
+              <a:rPr lang="en-US" b="1" i="0" dirty="0">
+                <a:solidFill>
+                  <a:srgbClr val="040C28"/>
+                </a:solidFill>
+                <a:effectLst/>
+                <a:latin typeface="Google Sans"/>
+              </a:rPr>
+              <a:t>Neural Networks </a:t>
+            </a:r>
+            <a:r>
+              <a:rPr lang="en-US" b="0" i="0" dirty="0">
+                <a:solidFill>
+                  <a:srgbClr val="040C28"/>
+                </a:solidFill>
+                <a:effectLst/>
+                <a:latin typeface="Google Sans"/>
+              </a:rPr>
+              <a:t>usually need more data to achieve the same level of accuracy Random Forest gain little performance enhancements when a certain amount </a:t>
+            </a:r>
+            <a:r>
+              <a:rPr lang="en-US" dirty="0">
+                <a:solidFill>
+                  <a:srgbClr val="040C28"/>
+                </a:solidFill>
+                <a:latin typeface="Google Sans"/>
+              </a:rPr>
+              <a:t>of data is reached while Neural Networks benefit from increasing data leading to improving accuracy</a:t>
+            </a:r>
+            <a:endParaRPr lang="en-US" b="0" i="0" dirty="0">
+              <a:solidFill>
+                <a:srgbClr val="1F1F1F"/>
+              </a:solidFill>
+              <a:effectLst/>
+              <a:highlight>
+                <a:srgbClr val="FFFFFF"/>
+              </a:highlight>
+              <a:latin typeface="Google Sans"/>
             </a:endParaRPr>
           </a:p>
         </p:txBody>
@@ -8660,14 +9392,14 @@
           <p:nvPr>
             <p:extLst>
               <p:ext uri="{D42A27DB-BD31-4B8C-83A1-F6EECF244321}">
-                <p14:modId xmlns:p14="http://schemas.microsoft.com/office/powerpoint/2010/main" val="1801218135"/>
+                <p14:modId xmlns:p14="http://schemas.microsoft.com/office/powerpoint/2010/main" val="127306197"/>
               </p:ext>
             </p:extLst>
           </p:nvPr>
         </p:nvGraphicFramePr>
         <p:xfrm>
-          <a:off x="1749425" y="4276682"/>
-          <a:ext cx="8128000" cy="1483360"/>
+          <a:off x="2467191" y="3395096"/>
+          <a:ext cx="8128000" cy="1849120"/>
         </p:xfrm>
         <a:graphic>
           <a:graphicData uri="http://schemas.openxmlformats.org/drawingml/2006/table">
@@ -8691,7 +9423,7 @@
                   </a:extLst>
                 </a:gridCol>
               </a:tblGrid>
-              <a:tr h="370840">
+              <a:tr h="0">
                 <a:tc>
                   <a:txBody>
                     <a:bodyPr/>
@@ -8802,7 +9534,23 @@
                     <a:bodyPr/>
                     <a:lstStyle/>
                     <a:p>
-                      <a:pPr algn="ctr"/>
+                      <a:pPr marL="0" marR="0" lvl="0" indent="0" algn="ctr" defTabSz="457200" rtl="0" eaLnBrk="1" fontAlgn="auto" latinLnBrk="0" hangingPunct="1">
+                        <a:lnSpc>
+                          <a:spcPct val="100000"/>
+                        </a:lnSpc>
+                        <a:spcBef>
+                          <a:spcPts val="0"/>
+                        </a:spcBef>
+                        <a:spcAft>
+                          <a:spcPts val="0"/>
+                        </a:spcAft>
+                        <a:buClrTx/>
+                        <a:buSzTx/>
+                        <a:buFontTx/>
+                        <a:buNone/>
+                        <a:tabLst/>
+                        <a:defRPr/>
+                      </a:pPr>
                       <a:r>
                         <a:rPr lang="en-US" dirty="0"/>
                         <a:t>Random Forest</a:t>
@@ -8816,10 +9564,61 @@
                     <a:bodyPr/>
                     <a:lstStyle/>
                     <a:p>
+                      <a:pPr marL="0" marR="0" lvl="0" indent="0" algn="ctr" defTabSz="457200" rtl="0" eaLnBrk="1" fontAlgn="auto" latinLnBrk="0" hangingPunct="1">
+                        <a:lnSpc>
+                          <a:spcPct val="100000"/>
+                        </a:lnSpc>
+                        <a:spcBef>
+                          <a:spcPts val="0"/>
+                        </a:spcBef>
+                        <a:spcAft>
+                          <a:spcPts val="0"/>
+                        </a:spcAft>
+                        <a:buClrTx/>
+                        <a:buSzTx/>
+                        <a:buFontTx/>
+                        <a:buNone/>
+                        <a:tabLst/>
+                        <a:defRPr/>
+                      </a:pPr>
+                      <a:r>
+                        <a:rPr lang="en-US" dirty="0"/>
+                        <a:t>0.84</a:t>
+                      </a:r>
+                    </a:p>
+                  </a:txBody>
+                  <a:tcPr/>
+                </a:tc>
+                <a:extLst>
+                  <a:ext uri="{0D108BD9-81ED-4DB2-BD59-A6C34878D82A}">
+                    <a16:rowId xmlns:a16="http://schemas.microsoft.com/office/drawing/2014/main" val="898461674"/>
+                  </a:ext>
+                </a:extLst>
+              </a:tr>
+              <a:tr h="370840">
+                <a:tc>
+                  <a:txBody>
+                    <a:bodyPr/>
+                    <a:lstStyle/>
+                    <a:p>
                       <a:pPr algn="ctr"/>
                       <a:r>
                         <a:rPr lang="en-US" dirty="0"/>
-                        <a:t>0.84</a:t>
+                        <a:t>Neural Network</a:t>
+                      </a:r>
+                    </a:p>
+                  </a:txBody>
+                  <a:tcPr/>
+                </a:tc>
+                <a:tc>
+                  <a:txBody>
+                    <a:bodyPr/>
+                    <a:lstStyle/>
+                    <a:p>
+                      <a:pPr algn="ctr"/>
+                      <a:r>
+                        <a:rPr lang="en-US" dirty="0"/>
+                        <a:t>0.85</a:t>
                       </a:r>
                     </a:p>
                   </a:txBody>
@@ -8848,7 +9647,7 @@
 </p:sld>
 </file>
 
-<file path=ppt/slides/slide2.xml><?xml version="1.0" encoding="utf-8"?>
+<file path=ppt/slides/slide17.xml><?xml version="1.0" encoding="utf-8"?>
 <p:sld xmlns:a="http://schemas.openxmlformats.org/drawingml/2006/main" xmlns:r="http://schemas.openxmlformats.org/officeDocument/2006/relationships" xmlns:p="http://schemas.openxmlformats.org/presentationml/2006/main">
   <p:cSld>
     <p:spTree>
@@ -8918,10 +9717,60 @@
       </p:sp>
       <p:sp>
         <p:nvSpPr>
-          <p:cNvPr id="4" name="Title 1">
+          <p:cNvPr id="5" name="Rectangle 4">
             <a:extLst>
               <a:ext uri="{FF2B5EF4-FFF2-40B4-BE49-F238E27FC236}">
-                <a16:creationId xmlns:a16="http://schemas.microsoft.com/office/drawing/2014/main" id="{7D618A9B-5BBA-142C-86CF-C0ABCE804462}"/>
+                <a16:creationId xmlns:a16="http://schemas.microsoft.com/office/drawing/2014/main" id="{2A65239F-69CC-9D4A-27D7-8C40CC07F102}"/>
+              </a:ext>
+            </a:extLst>
+          </p:cNvPr>
+          <p:cNvSpPr/>
+          <p:nvPr/>
+        </p:nvSpPr>
+        <p:spPr>
+          <a:xfrm>
+            <a:off x="471054" y="220444"/>
+            <a:ext cx="11720945" cy="472284"/>
+          </a:xfrm>
+          <a:prstGeom prst="rect">
+            <a:avLst/>
+          </a:prstGeom>
+        </p:spPr>
+        <p:style>
+          <a:lnRef idx="3">
+            <a:schemeClr val="lt1"/>
+          </a:lnRef>
+          <a:fillRef idx="1">
+            <a:schemeClr val="accent1"/>
+          </a:fillRef>
+          <a:effectRef idx="1">
+            <a:schemeClr val="accent1"/>
+          </a:effectRef>
+          <a:fontRef idx="minor">
+            <a:schemeClr val="lt1"/>
+          </a:fontRef>
+        </p:style>
+        <p:txBody>
+          <a:bodyPr rtlCol="0" anchor="ctr"/>
+          <a:lstStyle/>
+          <a:p>
+            <a:r>
+              <a:rPr lang="en-US" b="1" dirty="0">
+                <a:solidFill>
+                  <a:schemeClr val="tx1"/>
+                </a:solidFill>
+              </a:rPr>
+              <a:t>Appendix - Data Field Definitions</a:t>
+            </a:r>
+          </a:p>
+        </p:txBody>
+      </p:sp>
+      <p:sp>
+        <p:nvSpPr>
+          <p:cNvPr id="16" name="Title 1">
+            <a:extLst>
+              <a:ext uri="{FF2B5EF4-FFF2-40B4-BE49-F238E27FC236}">
+                <a16:creationId xmlns:a16="http://schemas.microsoft.com/office/drawing/2014/main" id="{D5F3F009-32B9-BC56-08E8-65B65102AF55}"/>
               </a:ext>
             </a:extLst>
           </p:cNvPr>
@@ -8932,8 +9781,8 @@
         </p:nvSpPr>
         <p:spPr>
           <a:xfrm>
-            <a:off x="1273739" y="512064"/>
-            <a:ext cx="9872055" cy="6345936"/>
+            <a:off x="1535669" y="4684542"/>
+            <a:ext cx="9591713" cy="1316345"/>
           </a:xfrm>
           <a:prstGeom prst="rect">
             <a:avLst/>
@@ -8964,6 +9813,1426 @@
           </a:lstStyle>
           <a:p>
             <a:pPr algn="l"/>
+            <a:endParaRPr lang="en-US" sz="2800" b="1" i="0" u="none" strike="noStrike" dirty="0">
+              <a:solidFill>
+                <a:srgbClr val="002060"/>
+              </a:solidFill>
+              <a:effectLst/>
+              <a:latin typeface="Söhne"/>
+            </a:endParaRPr>
+          </a:p>
+        </p:txBody>
+      </p:sp>
+      <p:sp>
+        <p:nvSpPr>
+          <p:cNvPr id="7" name="Text Placeholder 6">
+            <a:extLst>
+              <a:ext uri="{FF2B5EF4-FFF2-40B4-BE49-F238E27FC236}">
+                <a16:creationId xmlns:a16="http://schemas.microsoft.com/office/drawing/2014/main" id="{13CEF047-EF2D-8BE9-7C66-465725B9712B}"/>
+              </a:ext>
+            </a:extLst>
+          </p:cNvPr>
+          <p:cNvSpPr>
+            <a:spLocks noGrp="1"/>
+          </p:cNvSpPr>
+          <p:nvPr>
+            <p:ph type="body" idx="1"/>
+          </p:nvPr>
+        </p:nvSpPr>
+        <p:spPr>
+          <a:xfrm>
+            <a:off x="1341437" y="692728"/>
+            <a:ext cx="10379508" cy="6165271"/>
+          </a:xfrm>
+        </p:spPr>
+        <p:txBody>
+          <a:bodyPr>
+            <a:normAutofit/>
+          </a:bodyPr>
+          <a:lstStyle/>
+          <a:p>
+            <a:pPr marL="342900" indent="-342900">
+              <a:buFont typeface="Arial" panose="020B0604020202020204" pitchFamily="34" charset="0"/>
+              <a:buChar char="•"/>
+            </a:pPr>
+            <a:endParaRPr lang="en-US" dirty="0">
+              <a:solidFill>
+                <a:schemeClr val="bg1">
+                  <a:lumMod val="95000"/>
+                  <a:lumOff val="5000"/>
+                </a:schemeClr>
+              </a:solidFill>
+            </a:endParaRPr>
+          </a:p>
+          <a:p>
+            <a:pPr marL="342900" indent="-342900">
+              <a:buFont typeface="Arial" panose="020B0604020202020204" pitchFamily="34" charset="0"/>
+              <a:buChar char="•"/>
+            </a:pPr>
+            <a:endParaRPr lang="en-US" dirty="0">
+              <a:solidFill>
+                <a:schemeClr val="bg1">
+                  <a:lumMod val="95000"/>
+                  <a:lumOff val="5000"/>
+                </a:schemeClr>
+              </a:solidFill>
+            </a:endParaRPr>
+          </a:p>
+          <a:p>
+            <a:pPr marL="342900" indent="-342900">
+              <a:buFont typeface="Arial" panose="020B0604020202020204" pitchFamily="34" charset="0"/>
+              <a:buChar char="•"/>
+            </a:pPr>
+            <a:endParaRPr lang="en-US" dirty="0">
+              <a:solidFill>
+                <a:schemeClr val="bg1">
+                  <a:lumMod val="95000"/>
+                  <a:lumOff val="5000"/>
+                </a:schemeClr>
+              </a:solidFill>
+            </a:endParaRPr>
+          </a:p>
+          <a:p>
+            <a:pPr marL="342900" indent="-342900">
+              <a:buFont typeface="Arial" panose="020B0604020202020204" pitchFamily="34" charset="0"/>
+              <a:buChar char="•"/>
+            </a:pPr>
+            <a:endParaRPr lang="en-US" dirty="0">
+              <a:solidFill>
+                <a:schemeClr val="bg1">
+                  <a:lumMod val="95000"/>
+                  <a:lumOff val="5000"/>
+                </a:schemeClr>
+              </a:solidFill>
+            </a:endParaRPr>
+          </a:p>
+          <a:p>
+            <a:pPr marL="342900" indent="-342900">
+              <a:buFont typeface="Arial" panose="020B0604020202020204" pitchFamily="34" charset="0"/>
+              <a:buChar char="•"/>
+            </a:pPr>
+            <a:endParaRPr lang="en-US" dirty="0">
+              <a:solidFill>
+                <a:schemeClr val="bg1">
+                  <a:lumMod val="95000"/>
+                  <a:lumOff val="5000"/>
+                </a:schemeClr>
+              </a:solidFill>
+            </a:endParaRPr>
+          </a:p>
+          <a:p>
+            <a:pPr marL="342900" indent="-342900">
+              <a:buFont typeface="Arial" panose="020B0604020202020204" pitchFamily="34" charset="0"/>
+              <a:buChar char="•"/>
+            </a:pPr>
+            <a:endParaRPr lang="en-US" dirty="0">
+              <a:solidFill>
+                <a:schemeClr val="bg1">
+                  <a:lumMod val="95000"/>
+                  <a:lumOff val="5000"/>
+                </a:schemeClr>
+              </a:solidFill>
+            </a:endParaRPr>
+          </a:p>
+        </p:txBody>
+      </p:sp>
+      <p:graphicFrame>
+        <p:nvGraphicFramePr>
+          <p:cNvPr id="4" name="Table 3">
+            <a:extLst>
+              <a:ext uri="{FF2B5EF4-FFF2-40B4-BE49-F238E27FC236}">
+                <a16:creationId xmlns:a16="http://schemas.microsoft.com/office/drawing/2014/main" id="{7207AB63-2594-6B06-AE2C-A03C407E0D98}"/>
+              </a:ext>
+            </a:extLst>
+          </p:cNvPr>
+          <p:cNvGraphicFramePr>
+            <a:graphicFrameLocks noGrp="1"/>
+          </p:cNvGraphicFramePr>
+          <p:nvPr>
+            <p:extLst>
+              <p:ext uri="{D42A27DB-BD31-4B8C-83A1-F6EECF244321}">
+                <p14:modId xmlns:p14="http://schemas.microsoft.com/office/powerpoint/2010/main" val="3209597297"/>
+              </p:ext>
+            </p:extLst>
+          </p:nvPr>
+        </p:nvGraphicFramePr>
+        <p:xfrm>
+          <a:off x="1736655" y="743558"/>
+          <a:ext cx="8919676" cy="6114442"/>
+        </p:xfrm>
+        <a:graphic>
+          <a:graphicData uri="http://schemas.openxmlformats.org/drawingml/2006/table">
+            <a:tbl>
+              <a:tblPr firstRow="1" bandRow="1">
+                <a:tableStyleId>{5C22544A-7EE6-4342-B048-85BDC9FD1C3A}</a:tableStyleId>
+              </a:tblPr>
+              <a:tblGrid>
+                <a:gridCol w="4459838">
+                  <a:extLst>
+                    <a:ext uri="{9D8B030D-6E8A-4147-A177-3AD203B41FA5}">
+                      <a16:colId xmlns:a16="http://schemas.microsoft.com/office/drawing/2014/main" val="2299095329"/>
+                    </a:ext>
+                  </a:extLst>
+                </a:gridCol>
+                <a:gridCol w="4459838">
+                  <a:extLst>
+                    <a:ext uri="{9D8B030D-6E8A-4147-A177-3AD203B41FA5}">
+                      <a16:colId xmlns:a16="http://schemas.microsoft.com/office/drawing/2014/main" val="406342840"/>
+                    </a:ext>
+                  </a:extLst>
+                </a:gridCol>
+              </a:tblGrid>
+              <a:tr h="319554">
+                <a:tc>
+                  <a:txBody>
+                    <a:bodyPr/>
+                    <a:lstStyle/>
+                    <a:p>
+                      <a:pPr algn="ctr"/>
+                      <a:r>
+                        <a:rPr lang="en-US" dirty="0"/>
+                        <a:t>Field</a:t>
+                      </a:r>
+                    </a:p>
+                  </a:txBody>
+                  <a:tcPr/>
+                </a:tc>
+                <a:tc>
+                  <a:txBody>
+                    <a:bodyPr/>
+                    <a:lstStyle/>
+                    <a:p>
+                      <a:pPr algn="ctr"/>
+                      <a:r>
+                        <a:rPr lang="en-US" dirty="0" err="1"/>
+                        <a:t>Defintion</a:t>
+                      </a:r>
+                      <a:endParaRPr lang="en-US" dirty="0"/>
+                    </a:p>
+                  </a:txBody>
+                  <a:tcPr/>
+                </a:tc>
+                <a:extLst>
+                  <a:ext uri="{0D108BD9-81ED-4DB2-BD59-A6C34878D82A}">
+                    <a16:rowId xmlns:a16="http://schemas.microsoft.com/office/drawing/2014/main" val="849485323"/>
+                  </a:ext>
+                </a:extLst>
+              </a:tr>
+              <a:tr h="239665">
+                <a:tc>
+                  <a:txBody>
+                    <a:bodyPr/>
+                    <a:lstStyle/>
+                    <a:p>
+                      <a:r>
+                        <a:rPr lang="en-US" sz="1100" b="0" i="0" kern="1200" dirty="0">
+                          <a:solidFill>
+                            <a:schemeClr val="dk1"/>
+                          </a:solidFill>
+                          <a:effectLst/>
+                          <a:latin typeface="+mn-lt"/>
+                          <a:ea typeface="+mn-ea"/>
+                          <a:cs typeface="+mn-cs"/>
+                        </a:rPr>
+                        <a:t>id</a:t>
+                      </a:r>
+                      <a:endParaRPr lang="en-US" sz="1100" dirty="0"/>
+                    </a:p>
+                  </a:txBody>
+                  <a:tcPr/>
+                </a:tc>
+                <a:tc>
+                  <a:txBody>
+                    <a:bodyPr/>
+                    <a:lstStyle/>
+                    <a:p>
+                      <a:r>
+                        <a:rPr lang="en-US" sz="1100" b="0" i="0" kern="1200" dirty="0">
+                          <a:solidFill>
+                            <a:schemeClr val="dk1"/>
+                          </a:solidFill>
+                          <a:effectLst/>
+                          <a:latin typeface="+mn-lt"/>
+                          <a:ea typeface="+mn-ea"/>
+                          <a:cs typeface="+mn-cs"/>
+                        </a:rPr>
+                        <a:t>Unique identifier for each property</a:t>
+                      </a:r>
+                      <a:endParaRPr lang="en-US" sz="1100" dirty="0"/>
+                    </a:p>
+                  </a:txBody>
+                  <a:tcPr/>
+                </a:tc>
+                <a:extLst>
+                  <a:ext uri="{0D108BD9-81ED-4DB2-BD59-A6C34878D82A}">
+                    <a16:rowId xmlns:a16="http://schemas.microsoft.com/office/drawing/2014/main" val="2354462697"/>
+                  </a:ext>
+                </a:extLst>
+              </a:tr>
+              <a:tr h="239665">
+                <a:tc>
+                  <a:txBody>
+                    <a:bodyPr/>
+                    <a:lstStyle/>
+                    <a:p>
+                      <a:r>
+                        <a:rPr lang="en-US" sz="1100" b="0" i="0" kern="1200" dirty="0">
+                          <a:solidFill>
+                            <a:schemeClr val="dk1"/>
+                          </a:solidFill>
+                          <a:effectLst/>
+                          <a:latin typeface="+mn-lt"/>
+                          <a:ea typeface="+mn-ea"/>
+                          <a:cs typeface="+mn-cs"/>
+                        </a:rPr>
+                        <a:t>date</a:t>
+                      </a:r>
+                      <a:endParaRPr lang="en-US" sz="1100" dirty="0"/>
+                    </a:p>
+                  </a:txBody>
+                  <a:tcPr/>
+                </a:tc>
+                <a:tc>
+                  <a:txBody>
+                    <a:bodyPr/>
+                    <a:lstStyle/>
+                    <a:p>
+                      <a:r>
+                        <a:rPr lang="en-US" sz="1100" b="0" i="0" kern="1200" dirty="0">
+                          <a:solidFill>
+                            <a:schemeClr val="dk1"/>
+                          </a:solidFill>
+                          <a:effectLst/>
+                          <a:latin typeface="+mn-lt"/>
+                          <a:ea typeface="+mn-ea"/>
+                          <a:cs typeface="+mn-cs"/>
+                        </a:rPr>
+                        <a:t>Date of property listing</a:t>
+                      </a:r>
+                      <a:endParaRPr lang="en-US" sz="1100" dirty="0"/>
+                    </a:p>
+                  </a:txBody>
+                  <a:tcPr/>
+                </a:tc>
+                <a:extLst>
+                  <a:ext uri="{0D108BD9-81ED-4DB2-BD59-A6C34878D82A}">
+                    <a16:rowId xmlns:a16="http://schemas.microsoft.com/office/drawing/2014/main" val="3938286411"/>
+                  </a:ext>
+                </a:extLst>
+              </a:tr>
+              <a:tr h="239665">
+                <a:tc>
+                  <a:txBody>
+                    <a:bodyPr/>
+                    <a:lstStyle/>
+                    <a:p>
+                      <a:r>
+                        <a:rPr lang="en-US" sz="1100" b="0" i="0" kern="1200" dirty="0">
+                          <a:solidFill>
+                            <a:schemeClr val="dk1"/>
+                          </a:solidFill>
+                          <a:effectLst/>
+                          <a:latin typeface="+mn-lt"/>
+                          <a:ea typeface="+mn-ea"/>
+                          <a:cs typeface="+mn-cs"/>
+                        </a:rPr>
+                        <a:t>price</a:t>
+                      </a:r>
+                      <a:endParaRPr lang="en-US" sz="1100" dirty="0"/>
+                    </a:p>
+                  </a:txBody>
+                  <a:tcPr/>
+                </a:tc>
+                <a:tc>
+                  <a:txBody>
+                    <a:bodyPr/>
+                    <a:lstStyle/>
+                    <a:p>
+                      <a:r>
+                        <a:rPr lang="en-US" sz="1100" b="0" i="0" kern="1200" dirty="0">
+                          <a:solidFill>
+                            <a:schemeClr val="dk1"/>
+                          </a:solidFill>
+                          <a:effectLst/>
+                          <a:latin typeface="+mn-lt"/>
+                          <a:ea typeface="+mn-ea"/>
+                          <a:cs typeface="+mn-cs"/>
+                        </a:rPr>
+                        <a:t>Property price in currency</a:t>
+                      </a:r>
+                      <a:endParaRPr lang="en-US" sz="1100" dirty="0"/>
+                    </a:p>
+                  </a:txBody>
+                  <a:tcPr/>
+                </a:tc>
+                <a:extLst>
+                  <a:ext uri="{0D108BD9-81ED-4DB2-BD59-A6C34878D82A}">
+                    <a16:rowId xmlns:a16="http://schemas.microsoft.com/office/drawing/2014/main" val="1234323701"/>
+                  </a:ext>
+                </a:extLst>
+              </a:tr>
+              <a:tr h="239665">
+                <a:tc>
+                  <a:txBody>
+                    <a:bodyPr/>
+                    <a:lstStyle/>
+                    <a:p>
+                      <a:r>
+                        <a:rPr lang="en-US" sz="1100" b="0" i="0" kern="1200" dirty="0">
+                          <a:solidFill>
+                            <a:schemeClr val="dk1"/>
+                          </a:solidFill>
+                          <a:effectLst/>
+                          <a:latin typeface="+mn-lt"/>
+                          <a:ea typeface="+mn-ea"/>
+                          <a:cs typeface="+mn-cs"/>
+                        </a:rPr>
+                        <a:t>bedrooms</a:t>
+                      </a:r>
+                      <a:endParaRPr lang="en-US" sz="1100" dirty="0"/>
+                    </a:p>
+                  </a:txBody>
+                  <a:tcPr/>
+                </a:tc>
+                <a:tc>
+                  <a:txBody>
+                    <a:bodyPr/>
+                    <a:lstStyle/>
+                    <a:p>
+                      <a:r>
+                        <a:rPr lang="en-US" sz="1100" b="0" i="0" kern="1200" dirty="0">
+                          <a:solidFill>
+                            <a:schemeClr val="dk1"/>
+                          </a:solidFill>
+                          <a:effectLst/>
+                          <a:latin typeface="+mn-lt"/>
+                          <a:ea typeface="+mn-ea"/>
+                          <a:cs typeface="+mn-cs"/>
+                        </a:rPr>
+                        <a:t>Number of bedrooms</a:t>
+                      </a:r>
+                      <a:endParaRPr lang="en-US" sz="1100" dirty="0"/>
+                    </a:p>
+                  </a:txBody>
+                  <a:tcPr/>
+                </a:tc>
+                <a:extLst>
+                  <a:ext uri="{0D108BD9-81ED-4DB2-BD59-A6C34878D82A}">
+                    <a16:rowId xmlns:a16="http://schemas.microsoft.com/office/drawing/2014/main" val="1366218312"/>
+                  </a:ext>
+                </a:extLst>
+              </a:tr>
+              <a:tr h="399442">
+                <a:tc>
+                  <a:txBody>
+                    <a:bodyPr/>
+                    <a:lstStyle/>
+                    <a:p>
+                      <a:r>
+                        <a:rPr lang="en-US" sz="1100" b="0" i="0" kern="1200" dirty="0">
+                          <a:solidFill>
+                            <a:schemeClr val="dk1"/>
+                          </a:solidFill>
+                          <a:effectLst/>
+                          <a:latin typeface="+mn-lt"/>
+                          <a:ea typeface="+mn-ea"/>
+                          <a:cs typeface="+mn-cs"/>
+                        </a:rPr>
+                        <a:t>bathrooms</a:t>
+                      </a:r>
+                      <a:endParaRPr lang="en-US" sz="1100" dirty="0"/>
+                    </a:p>
+                  </a:txBody>
+                  <a:tcPr/>
+                </a:tc>
+                <a:tc>
+                  <a:txBody>
+                    <a:bodyPr/>
+                    <a:lstStyle/>
+                    <a:p>
+                      <a:pPr marL="0" marR="0" lvl="0" indent="0" algn="l" defTabSz="457200" rtl="0" eaLnBrk="1" fontAlgn="auto" latinLnBrk="0" hangingPunct="1">
+                        <a:lnSpc>
+                          <a:spcPct val="100000"/>
+                        </a:lnSpc>
+                        <a:spcBef>
+                          <a:spcPts val="0"/>
+                        </a:spcBef>
+                        <a:spcAft>
+                          <a:spcPts val="0"/>
+                        </a:spcAft>
+                        <a:buClrTx/>
+                        <a:buSzTx/>
+                        <a:buFontTx/>
+                        <a:buNone/>
+                        <a:tabLst/>
+                        <a:defRPr/>
+                      </a:pPr>
+                      <a:r>
+                        <a:rPr lang="en-US" sz="1100" b="0" i="0" kern="1200" dirty="0">
+                          <a:solidFill>
+                            <a:schemeClr val="dk1"/>
+                          </a:solidFill>
+                          <a:effectLst/>
+                          <a:latin typeface="+mn-lt"/>
+                          <a:ea typeface="+mn-ea"/>
+                          <a:cs typeface="+mn-cs"/>
+                        </a:rPr>
+                        <a:t>Number of bathrooms</a:t>
+                      </a:r>
+                      <a:endParaRPr lang="en-US" sz="1100" dirty="0"/>
+                    </a:p>
+                    <a:p>
+                      <a:endParaRPr lang="en-US" sz="1100" dirty="0"/>
+                    </a:p>
+                  </a:txBody>
+                  <a:tcPr/>
+                </a:tc>
+                <a:extLst>
+                  <a:ext uri="{0D108BD9-81ED-4DB2-BD59-A6C34878D82A}">
+                    <a16:rowId xmlns:a16="http://schemas.microsoft.com/office/drawing/2014/main" val="2450050618"/>
+                  </a:ext>
+                </a:extLst>
+              </a:tr>
+              <a:tr h="239665">
+                <a:tc>
+                  <a:txBody>
+                    <a:bodyPr/>
+                    <a:lstStyle/>
+                    <a:p>
+                      <a:r>
+                        <a:rPr lang="en-US" sz="1100" b="0" i="0" kern="1200" dirty="0" err="1">
+                          <a:solidFill>
+                            <a:schemeClr val="dk1"/>
+                          </a:solidFill>
+                          <a:effectLst/>
+                          <a:latin typeface="+mn-lt"/>
+                          <a:ea typeface="+mn-ea"/>
+                          <a:cs typeface="+mn-cs"/>
+                        </a:rPr>
+                        <a:t>sqft_living</a:t>
+                      </a:r>
+                      <a:endParaRPr lang="en-US" sz="1100" dirty="0"/>
+                    </a:p>
+                  </a:txBody>
+                  <a:tcPr/>
+                </a:tc>
+                <a:tc>
+                  <a:txBody>
+                    <a:bodyPr/>
+                    <a:lstStyle/>
+                    <a:p>
+                      <a:r>
+                        <a:rPr lang="en-US" sz="1100" b="0" i="0" kern="1200" dirty="0">
+                          <a:solidFill>
+                            <a:schemeClr val="dk1"/>
+                          </a:solidFill>
+                          <a:effectLst/>
+                          <a:latin typeface="+mn-lt"/>
+                          <a:ea typeface="+mn-ea"/>
+                          <a:cs typeface="+mn-cs"/>
+                        </a:rPr>
+                        <a:t>Living area size in square feet</a:t>
+                      </a:r>
+                      <a:endParaRPr lang="en-US" sz="1100" dirty="0"/>
+                    </a:p>
+                  </a:txBody>
+                  <a:tcPr/>
+                </a:tc>
+                <a:extLst>
+                  <a:ext uri="{0D108BD9-81ED-4DB2-BD59-A6C34878D82A}">
+                    <a16:rowId xmlns:a16="http://schemas.microsoft.com/office/drawing/2014/main" val="559046146"/>
+                  </a:ext>
+                </a:extLst>
+              </a:tr>
+              <a:tr h="239665">
+                <a:tc>
+                  <a:txBody>
+                    <a:bodyPr/>
+                    <a:lstStyle/>
+                    <a:p>
+                      <a:r>
+                        <a:rPr lang="en-US" sz="1100" b="0" i="0" kern="1200" dirty="0" err="1">
+                          <a:solidFill>
+                            <a:schemeClr val="dk1"/>
+                          </a:solidFill>
+                          <a:effectLst/>
+                          <a:latin typeface="+mn-lt"/>
+                          <a:ea typeface="+mn-ea"/>
+                          <a:cs typeface="+mn-cs"/>
+                        </a:rPr>
+                        <a:t>sqft_lot</a:t>
+                      </a:r>
+                      <a:endParaRPr lang="en-US" sz="1100" dirty="0"/>
+                    </a:p>
+                  </a:txBody>
+                  <a:tcPr/>
+                </a:tc>
+                <a:tc>
+                  <a:txBody>
+                    <a:bodyPr/>
+                    <a:lstStyle/>
+                    <a:p>
+                      <a:r>
+                        <a:rPr lang="en-US" sz="1100" b="0" i="0" kern="1200" dirty="0">
+                          <a:solidFill>
+                            <a:schemeClr val="dk1"/>
+                          </a:solidFill>
+                          <a:effectLst/>
+                          <a:latin typeface="+mn-lt"/>
+                          <a:ea typeface="+mn-ea"/>
+                          <a:cs typeface="+mn-cs"/>
+                        </a:rPr>
+                        <a:t>Total lot size in square feet</a:t>
+                      </a:r>
+                      <a:endParaRPr lang="en-US" sz="1100" dirty="0"/>
+                    </a:p>
+                  </a:txBody>
+                  <a:tcPr/>
+                </a:tc>
+                <a:extLst>
+                  <a:ext uri="{0D108BD9-81ED-4DB2-BD59-A6C34878D82A}">
+                    <a16:rowId xmlns:a16="http://schemas.microsoft.com/office/drawing/2014/main" val="2185467870"/>
+                  </a:ext>
+                </a:extLst>
+              </a:tr>
+              <a:tr h="239665">
+                <a:tc>
+                  <a:txBody>
+                    <a:bodyPr/>
+                    <a:lstStyle/>
+                    <a:p>
+                      <a:r>
+                        <a:rPr lang="en-US" sz="1100" b="0" i="0" kern="1200" dirty="0">
+                          <a:solidFill>
+                            <a:schemeClr val="dk1"/>
+                          </a:solidFill>
+                          <a:effectLst/>
+                          <a:latin typeface="+mn-lt"/>
+                          <a:ea typeface="+mn-ea"/>
+                          <a:cs typeface="+mn-cs"/>
+                        </a:rPr>
+                        <a:t>floors</a:t>
+                      </a:r>
+                      <a:endParaRPr lang="en-US" sz="1100" dirty="0"/>
+                    </a:p>
+                  </a:txBody>
+                  <a:tcPr/>
+                </a:tc>
+                <a:tc>
+                  <a:txBody>
+                    <a:bodyPr/>
+                    <a:lstStyle/>
+                    <a:p>
+                      <a:r>
+                        <a:rPr lang="en-US" sz="1100" b="0" i="0" kern="1200" dirty="0">
+                          <a:solidFill>
+                            <a:schemeClr val="dk1"/>
+                          </a:solidFill>
+                          <a:effectLst/>
+                          <a:latin typeface="+mn-lt"/>
+                          <a:ea typeface="+mn-ea"/>
+                          <a:cs typeface="+mn-cs"/>
+                        </a:rPr>
+                        <a:t>Number of floors</a:t>
+                      </a:r>
+                      <a:endParaRPr lang="en-US" sz="1100" dirty="0"/>
+                    </a:p>
+                  </a:txBody>
+                  <a:tcPr/>
+                </a:tc>
+                <a:extLst>
+                  <a:ext uri="{0D108BD9-81ED-4DB2-BD59-A6C34878D82A}">
+                    <a16:rowId xmlns:a16="http://schemas.microsoft.com/office/drawing/2014/main" val="3189155840"/>
+                  </a:ext>
+                </a:extLst>
+              </a:tr>
+              <a:tr h="399442">
+                <a:tc>
+                  <a:txBody>
+                    <a:bodyPr/>
+                    <a:lstStyle/>
+                    <a:p>
+                      <a:r>
+                        <a:rPr lang="en-US" sz="1100" b="0" i="0" kern="1200" dirty="0">
+                          <a:solidFill>
+                            <a:schemeClr val="dk1"/>
+                          </a:solidFill>
+                          <a:effectLst/>
+                          <a:latin typeface="+mn-lt"/>
+                          <a:ea typeface="+mn-ea"/>
+                          <a:cs typeface="+mn-cs"/>
+                        </a:rPr>
+                        <a:t>waterfront</a:t>
+                      </a:r>
+                      <a:endParaRPr lang="en-US" sz="1100" dirty="0"/>
+                    </a:p>
+                  </a:txBody>
+                  <a:tcPr/>
+                </a:tc>
+                <a:tc>
+                  <a:txBody>
+                    <a:bodyPr/>
+                    <a:lstStyle/>
+                    <a:p>
+                      <a:r>
+                        <a:rPr lang="en-US" sz="1100" b="0" i="0" kern="1200" dirty="0">
+                          <a:solidFill>
+                            <a:schemeClr val="dk1"/>
+                          </a:solidFill>
+                          <a:effectLst/>
+                          <a:latin typeface="+mn-lt"/>
+                          <a:ea typeface="+mn-ea"/>
+                          <a:cs typeface="+mn-cs"/>
+                        </a:rPr>
+                        <a:t>Indicates if property has waterfront view (0 for no, 1 for yes).</a:t>
+                      </a:r>
+                      <a:endParaRPr lang="en-US" sz="1100" dirty="0"/>
+                    </a:p>
+                  </a:txBody>
+                  <a:tcPr/>
+                </a:tc>
+                <a:extLst>
+                  <a:ext uri="{0D108BD9-81ED-4DB2-BD59-A6C34878D82A}">
+                    <a16:rowId xmlns:a16="http://schemas.microsoft.com/office/drawing/2014/main" val="2792851444"/>
+                  </a:ext>
+                </a:extLst>
+              </a:tr>
+              <a:tr h="239665">
+                <a:tc>
+                  <a:txBody>
+                    <a:bodyPr/>
+                    <a:lstStyle/>
+                    <a:p>
+                      <a:r>
+                        <a:rPr lang="en-US" sz="1100" b="0" i="0" kern="1200" dirty="0">
+                          <a:solidFill>
+                            <a:schemeClr val="dk1"/>
+                          </a:solidFill>
+                          <a:effectLst/>
+                          <a:latin typeface="+mn-lt"/>
+                          <a:ea typeface="+mn-ea"/>
+                          <a:cs typeface="+mn-cs"/>
+                        </a:rPr>
+                        <a:t>view</a:t>
+                      </a:r>
+                      <a:endParaRPr lang="en-US" sz="1100" dirty="0"/>
+                    </a:p>
+                  </a:txBody>
+                  <a:tcPr/>
+                </a:tc>
+                <a:tc>
+                  <a:txBody>
+                    <a:bodyPr/>
+                    <a:lstStyle/>
+                    <a:p>
+                      <a:r>
+                        <a:rPr lang="en-US" sz="1100" b="0" i="0" kern="1200" dirty="0">
+                          <a:solidFill>
+                            <a:schemeClr val="dk1"/>
+                          </a:solidFill>
+                          <a:effectLst/>
+                          <a:latin typeface="+mn-lt"/>
+                          <a:ea typeface="+mn-ea"/>
+                          <a:cs typeface="+mn-cs"/>
+                        </a:rPr>
+                        <a:t>Quality level of property view (0 to 4)</a:t>
+                      </a:r>
+                      <a:endParaRPr lang="en-US" sz="1100" dirty="0"/>
+                    </a:p>
+                  </a:txBody>
+                  <a:tcPr/>
+                </a:tc>
+                <a:extLst>
+                  <a:ext uri="{0D108BD9-81ED-4DB2-BD59-A6C34878D82A}">
+                    <a16:rowId xmlns:a16="http://schemas.microsoft.com/office/drawing/2014/main" val="3199444700"/>
+                  </a:ext>
+                </a:extLst>
+              </a:tr>
+              <a:tr h="239665">
+                <a:tc>
+                  <a:txBody>
+                    <a:bodyPr/>
+                    <a:lstStyle/>
+                    <a:p>
+                      <a:r>
+                        <a:rPr lang="en-US" sz="1100" b="0" i="0" kern="1200" dirty="0">
+                          <a:solidFill>
+                            <a:schemeClr val="dk1"/>
+                          </a:solidFill>
+                          <a:effectLst/>
+                          <a:latin typeface="+mn-lt"/>
+                          <a:ea typeface="+mn-ea"/>
+                          <a:cs typeface="+mn-cs"/>
+                        </a:rPr>
+                        <a:t>condition</a:t>
+                      </a:r>
+                      <a:endParaRPr lang="en-US" sz="1100" dirty="0"/>
+                    </a:p>
+                  </a:txBody>
+                  <a:tcPr/>
+                </a:tc>
+                <a:tc>
+                  <a:txBody>
+                    <a:bodyPr/>
+                    <a:lstStyle/>
+                    <a:p>
+                      <a:r>
+                        <a:rPr lang="en-US" sz="1100" b="0" i="0" kern="1200" dirty="0">
+                          <a:solidFill>
+                            <a:schemeClr val="dk1"/>
+                          </a:solidFill>
+                          <a:effectLst/>
+                          <a:latin typeface="+mn-lt"/>
+                          <a:ea typeface="+mn-ea"/>
+                          <a:cs typeface="+mn-cs"/>
+                        </a:rPr>
+                        <a:t>Overall condition rating (1 to 5)</a:t>
+                      </a:r>
+                      <a:endParaRPr lang="en-US" sz="1100" dirty="0"/>
+                    </a:p>
+                  </a:txBody>
+                  <a:tcPr/>
+                </a:tc>
+                <a:extLst>
+                  <a:ext uri="{0D108BD9-81ED-4DB2-BD59-A6C34878D82A}">
+                    <a16:rowId xmlns:a16="http://schemas.microsoft.com/office/drawing/2014/main" val="2213459115"/>
+                  </a:ext>
+                </a:extLst>
+              </a:tr>
+              <a:tr h="239665">
+                <a:tc>
+                  <a:txBody>
+                    <a:bodyPr/>
+                    <a:lstStyle/>
+                    <a:p>
+                      <a:r>
+                        <a:rPr lang="en-US" sz="1100" dirty="0"/>
+                        <a:t>grade</a:t>
+                      </a:r>
+                    </a:p>
+                  </a:txBody>
+                  <a:tcPr/>
+                </a:tc>
+                <a:tc>
+                  <a:txBody>
+                    <a:bodyPr/>
+                    <a:lstStyle/>
+                    <a:p>
+                      <a:r>
+                        <a:rPr lang="en-US" sz="1100" b="0" i="0" kern="1200" dirty="0">
+                          <a:solidFill>
+                            <a:schemeClr val="dk1"/>
+                          </a:solidFill>
+                          <a:effectLst/>
+                          <a:latin typeface="+mn-lt"/>
+                          <a:ea typeface="+mn-ea"/>
+                          <a:cs typeface="+mn-cs"/>
+                        </a:rPr>
+                        <a:t>Overall grade rating (1 to 13)</a:t>
+                      </a:r>
+                      <a:endParaRPr lang="en-US" sz="1100" dirty="0"/>
+                    </a:p>
+                  </a:txBody>
+                  <a:tcPr/>
+                </a:tc>
+                <a:extLst>
+                  <a:ext uri="{0D108BD9-81ED-4DB2-BD59-A6C34878D82A}">
+                    <a16:rowId xmlns:a16="http://schemas.microsoft.com/office/drawing/2014/main" val="4200696865"/>
+                  </a:ext>
+                </a:extLst>
+              </a:tr>
+              <a:tr h="239665">
+                <a:tc>
+                  <a:txBody>
+                    <a:bodyPr/>
+                    <a:lstStyle/>
+                    <a:p>
+                      <a:r>
+                        <a:rPr lang="en-US" sz="1100" b="0" i="0" kern="1200" dirty="0" err="1">
+                          <a:solidFill>
+                            <a:schemeClr val="dk1"/>
+                          </a:solidFill>
+                          <a:effectLst/>
+                          <a:latin typeface="+mn-lt"/>
+                          <a:ea typeface="+mn-ea"/>
+                          <a:cs typeface="+mn-cs"/>
+                        </a:rPr>
+                        <a:t>sqft_above</a:t>
+                      </a:r>
+                      <a:endParaRPr lang="en-US" sz="1100" dirty="0"/>
+                    </a:p>
+                  </a:txBody>
+                  <a:tcPr/>
+                </a:tc>
+                <a:tc>
+                  <a:txBody>
+                    <a:bodyPr/>
+                    <a:lstStyle/>
+                    <a:p>
+                      <a:r>
+                        <a:rPr lang="en-US" sz="1100" b="0" i="0" kern="1200" dirty="0">
+                          <a:solidFill>
+                            <a:schemeClr val="dk1"/>
+                          </a:solidFill>
+                          <a:effectLst/>
+                          <a:latin typeface="+mn-lt"/>
+                          <a:ea typeface="+mn-ea"/>
+                          <a:cs typeface="+mn-cs"/>
+                        </a:rPr>
+                        <a:t>Living area above ground level in square feet</a:t>
+                      </a:r>
+                      <a:endParaRPr lang="en-US" sz="1100" dirty="0"/>
+                    </a:p>
+                  </a:txBody>
+                  <a:tcPr/>
+                </a:tc>
+                <a:extLst>
+                  <a:ext uri="{0D108BD9-81ED-4DB2-BD59-A6C34878D82A}">
+                    <a16:rowId xmlns:a16="http://schemas.microsoft.com/office/drawing/2014/main" val="4280652596"/>
+                  </a:ext>
+                </a:extLst>
+              </a:tr>
+              <a:tr h="239665">
+                <a:tc>
+                  <a:txBody>
+                    <a:bodyPr/>
+                    <a:lstStyle/>
+                    <a:p>
+                      <a:r>
+                        <a:rPr lang="en-US" sz="1100" b="0" i="0" kern="1200" dirty="0" err="1">
+                          <a:solidFill>
+                            <a:schemeClr val="dk1"/>
+                          </a:solidFill>
+                          <a:effectLst/>
+                          <a:latin typeface="+mn-lt"/>
+                          <a:ea typeface="+mn-ea"/>
+                          <a:cs typeface="+mn-cs"/>
+                        </a:rPr>
+                        <a:t>sqft_basement</a:t>
+                      </a:r>
+                      <a:endParaRPr lang="en-US" sz="1100" dirty="0"/>
+                    </a:p>
+                  </a:txBody>
+                  <a:tcPr/>
+                </a:tc>
+                <a:tc>
+                  <a:txBody>
+                    <a:bodyPr/>
+                    <a:lstStyle/>
+                    <a:p>
+                      <a:r>
+                        <a:rPr lang="en-US" sz="1100" b="0" i="0" kern="1200" dirty="0">
+                          <a:solidFill>
+                            <a:schemeClr val="dk1"/>
+                          </a:solidFill>
+                          <a:effectLst/>
+                          <a:latin typeface="+mn-lt"/>
+                          <a:ea typeface="+mn-ea"/>
+                          <a:cs typeface="+mn-cs"/>
+                        </a:rPr>
+                        <a:t>Basement area in square feet</a:t>
+                      </a:r>
+                      <a:endParaRPr lang="en-US" sz="1100" dirty="0"/>
+                    </a:p>
+                  </a:txBody>
+                  <a:tcPr/>
+                </a:tc>
+                <a:extLst>
+                  <a:ext uri="{0D108BD9-81ED-4DB2-BD59-A6C34878D82A}">
+                    <a16:rowId xmlns:a16="http://schemas.microsoft.com/office/drawing/2014/main" val="1217743357"/>
+                  </a:ext>
+                </a:extLst>
+              </a:tr>
+              <a:tr h="239665">
+                <a:tc>
+                  <a:txBody>
+                    <a:bodyPr/>
+                    <a:lstStyle/>
+                    <a:p>
+                      <a:r>
+                        <a:rPr lang="en-US" sz="1100" b="0" i="0" kern="1200" dirty="0" err="1">
+                          <a:solidFill>
+                            <a:schemeClr val="dk1"/>
+                          </a:solidFill>
+                          <a:effectLst/>
+                          <a:latin typeface="+mn-lt"/>
+                          <a:ea typeface="+mn-ea"/>
+                          <a:cs typeface="+mn-cs"/>
+                        </a:rPr>
+                        <a:t>yr_built</a:t>
+                      </a:r>
+                      <a:endParaRPr lang="en-US" sz="1100" dirty="0"/>
+                    </a:p>
+                  </a:txBody>
+                  <a:tcPr/>
+                </a:tc>
+                <a:tc>
+                  <a:txBody>
+                    <a:bodyPr/>
+                    <a:lstStyle/>
+                    <a:p>
+                      <a:r>
+                        <a:rPr lang="en-US" sz="1100" b="0" i="0" kern="1200" dirty="0">
+                          <a:solidFill>
+                            <a:schemeClr val="dk1"/>
+                          </a:solidFill>
+                          <a:effectLst/>
+                          <a:latin typeface="+mn-lt"/>
+                          <a:ea typeface="+mn-ea"/>
+                          <a:cs typeface="+mn-cs"/>
+                        </a:rPr>
+                        <a:t>Year property was built</a:t>
+                      </a:r>
+                      <a:endParaRPr lang="en-US" sz="1100" dirty="0"/>
+                    </a:p>
+                  </a:txBody>
+                  <a:tcPr/>
+                </a:tc>
+                <a:extLst>
+                  <a:ext uri="{0D108BD9-81ED-4DB2-BD59-A6C34878D82A}">
+                    <a16:rowId xmlns:a16="http://schemas.microsoft.com/office/drawing/2014/main" val="3975437671"/>
+                  </a:ext>
+                </a:extLst>
+              </a:tr>
+              <a:tr h="239665">
+                <a:tc>
+                  <a:txBody>
+                    <a:bodyPr/>
+                    <a:lstStyle/>
+                    <a:p>
+                      <a:r>
+                        <a:rPr lang="en-US" sz="1100" b="0" i="0" kern="1200" dirty="0" err="1">
+                          <a:solidFill>
+                            <a:schemeClr val="dk1"/>
+                          </a:solidFill>
+                          <a:effectLst/>
+                          <a:latin typeface="+mn-lt"/>
+                          <a:ea typeface="+mn-ea"/>
+                          <a:cs typeface="+mn-cs"/>
+                        </a:rPr>
+                        <a:t>yr_renovated</a:t>
+                      </a:r>
+                      <a:endParaRPr lang="en-US" sz="1100" dirty="0"/>
+                    </a:p>
+                  </a:txBody>
+                  <a:tcPr/>
+                </a:tc>
+                <a:tc>
+                  <a:txBody>
+                    <a:bodyPr/>
+                    <a:lstStyle/>
+                    <a:p>
+                      <a:r>
+                        <a:rPr lang="en-US" sz="1100" b="0" i="0" kern="1200" dirty="0">
+                          <a:solidFill>
+                            <a:schemeClr val="dk1"/>
+                          </a:solidFill>
+                          <a:effectLst/>
+                          <a:latin typeface="+mn-lt"/>
+                          <a:ea typeface="+mn-ea"/>
+                          <a:cs typeface="+mn-cs"/>
+                        </a:rPr>
+                        <a:t>Year property was last renovated (0 if never)</a:t>
+                      </a:r>
+                      <a:endParaRPr lang="en-US" sz="1100" dirty="0"/>
+                    </a:p>
+                  </a:txBody>
+                  <a:tcPr/>
+                </a:tc>
+                <a:extLst>
+                  <a:ext uri="{0D108BD9-81ED-4DB2-BD59-A6C34878D82A}">
+                    <a16:rowId xmlns:a16="http://schemas.microsoft.com/office/drawing/2014/main" val="1820218944"/>
+                  </a:ext>
+                </a:extLst>
+              </a:tr>
+              <a:tr h="239665">
+                <a:tc>
+                  <a:txBody>
+                    <a:bodyPr/>
+                    <a:lstStyle/>
+                    <a:p>
+                      <a:r>
+                        <a:rPr lang="en-US" sz="1100" b="0" i="0" kern="1200" dirty="0" err="1">
+                          <a:solidFill>
+                            <a:schemeClr val="dk1"/>
+                          </a:solidFill>
+                          <a:effectLst/>
+                          <a:latin typeface="+mn-lt"/>
+                          <a:ea typeface="+mn-ea"/>
+                          <a:cs typeface="+mn-cs"/>
+                        </a:rPr>
+                        <a:t>zipcode</a:t>
+                      </a:r>
+                      <a:endParaRPr lang="en-US" sz="1100" dirty="0"/>
+                    </a:p>
+                  </a:txBody>
+                  <a:tcPr/>
+                </a:tc>
+                <a:tc>
+                  <a:txBody>
+                    <a:bodyPr/>
+                    <a:lstStyle/>
+                    <a:p>
+                      <a:r>
+                        <a:rPr lang="en-US" sz="1100" b="0" i="0" kern="1200" dirty="0">
+                          <a:solidFill>
+                            <a:schemeClr val="dk1"/>
+                          </a:solidFill>
+                          <a:effectLst/>
+                          <a:latin typeface="+mn-lt"/>
+                          <a:ea typeface="+mn-ea"/>
+                          <a:cs typeface="+mn-cs"/>
+                        </a:rPr>
+                        <a:t>Property location zip code</a:t>
+                      </a:r>
+                      <a:endParaRPr lang="en-US" sz="1100" dirty="0"/>
+                    </a:p>
+                  </a:txBody>
+                  <a:tcPr/>
+                </a:tc>
+                <a:extLst>
+                  <a:ext uri="{0D108BD9-81ED-4DB2-BD59-A6C34878D82A}">
+                    <a16:rowId xmlns:a16="http://schemas.microsoft.com/office/drawing/2014/main" val="3053239507"/>
+                  </a:ext>
+                </a:extLst>
+              </a:tr>
+              <a:tr h="239665">
+                <a:tc>
+                  <a:txBody>
+                    <a:bodyPr/>
+                    <a:lstStyle/>
+                    <a:p>
+                      <a:r>
+                        <a:rPr lang="en-US" sz="1100" b="0" i="0" kern="1200" dirty="0" err="1">
+                          <a:solidFill>
+                            <a:schemeClr val="dk1"/>
+                          </a:solidFill>
+                          <a:effectLst/>
+                          <a:latin typeface="+mn-lt"/>
+                          <a:ea typeface="+mn-ea"/>
+                          <a:cs typeface="+mn-cs"/>
+                        </a:rPr>
+                        <a:t>lat</a:t>
+                      </a:r>
+                      <a:endParaRPr lang="en-US" sz="1100" dirty="0"/>
+                    </a:p>
+                  </a:txBody>
+                  <a:tcPr/>
+                </a:tc>
+                <a:tc>
+                  <a:txBody>
+                    <a:bodyPr/>
+                    <a:lstStyle/>
+                    <a:p>
+                      <a:r>
+                        <a:rPr lang="en-US" sz="1100" b="0" i="0" kern="1200" dirty="0">
+                          <a:solidFill>
+                            <a:schemeClr val="dk1"/>
+                          </a:solidFill>
+                          <a:effectLst/>
+                          <a:latin typeface="+mn-lt"/>
+                          <a:ea typeface="+mn-ea"/>
+                          <a:cs typeface="+mn-cs"/>
+                        </a:rPr>
+                        <a:t>Latitude coordinate of property location</a:t>
+                      </a:r>
+                      <a:endParaRPr lang="en-US" sz="1100" dirty="0"/>
+                    </a:p>
+                  </a:txBody>
+                  <a:tcPr/>
+                </a:tc>
+                <a:extLst>
+                  <a:ext uri="{0D108BD9-81ED-4DB2-BD59-A6C34878D82A}">
+                    <a16:rowId xmlns:a16="http://schemas.microsoft.com/office/drawing/2014/main" val="2629008251"/>
+                  </a:ext>
+                </a:extLst>
+              </a:tr>
+              <a:tr h="239665">
+                <a:tc>
+                  <a:txBody>
+                    <a:bodyPr/>
+                    <a:lstStyle/>
+                    <a:p>
+                      <a:r>
+                        <a:rPr lang="en-US" sz="1100" b="0" i="0" kern="1200" dirty="0">
+                          <a:solidFill>
+                            <a:schemeClr val="dk1"/>
+                          </a:solidFill>
+                          <a:effectLst/>
+                          <a:latin typeface="+mn-lt"/>
+                          <a:ea typeface="+mn-ea"/>
+                          <a:cs typeface="+mn-cs"/>
+                        </a:rPr>
+                        <a:t>long</a:t>
+                      </a:r>
+                      <a:endParaRPr lang="en-US" sz="1100" dirty="0"/>
+                    </a:p>
+                  </a:txBody>
+                  <a:tcPr/>
+                </a:tc>
+                <a:tc>
+                  <a:txBody>
+                    <a:bodyPr/>
+                    <a:lstStyle/>
+                    <a:p>
+                      <a:r>
+                        <a:rPr lang="en-US" sz="1100" b="0" i="0" kern="1200" dirty="0">
+                          <a:solidFill>
+                            <a:schemeClr val="dk1"/>
+                          </a:solidFill>
+                          <a:effectLst/>
+                          <a:latin typeface="+mn-lt"/>
+                          <a:ea typeface="+mn-ea"/>
+                          <a:cs typeface="+mn-cs"/>
+                        </a:rPr>
+                        <a:t>Longitude coordinate of property location</a:t>
+                      </a:r>
+                      <a:endParaRPr lang="en-US" sz="1100" dirty="0"/>
+                    </a:p>
+                  </a:txBody>
+                  <a:tcPr/>
+                </a:tc>
+                <a:extLst>
+                  <a:ext uri="{0D108BD9-81ED-4DB2-BD59-A6C34878D82A}">
+                    <a16:rowId xmlns:a16="http://schemas.microsoft.com/office/drawing/2014/main" val="1518843049"/>
+                  </a:ext>
+                </a:extLst>
+              </a:tr>
+              <a:tr h="239665">
+                <a:tc>
+                  <a:txBody>
+                    <a:bodyPr/>
+                    <a:lstStyle/>
+                    <a:p>
+                      <a:r>
+                        <a:rPr lang="en-US" sz="1100" b="0" i="0" kern="1200" dirty="0">
+                          <a:solidFill>
+                            <a:schemeClr val="dk1"/>
+                          </a:solidFill>
+                          <a:effectLst/>
+                          <a:latin typeface="+mn-lt"/>
+                          <a:ea typeface="+mn-ea"/>
+                          <a:cs typeface="+mn-cs"/>
+                        </a:rPr>
+                        <a:t>sqft_living15</a:t>
+                      </a:r>
+                      <a:endParaRPr lang="en-US" sz="1100" dirty="0"/>
+                    </a:p>
+                  </a:txBody>
+                  <a:tcPr/>
+                </a:tc>
+                <a:tc>
+                  <a:txBody>
+                    <a:bodyPr/>
+                    <a:lstStyle/>
+                    <a:p>
+                      <a:r>
+                        <a:rPr lang="en-US" sz="1100" b="0" i="0" kern="1200" dirty="0">
+                          <a:solidFill>
+                            <a:schemeClr val="dk1"/>
+                          </a:solidFill>
+                          <a:effectLst/>
+                          <a:latin typeface="+mn-lt"/>
+                          <a:ea typeface="+mn-ea"/>
+                          <a:cs typeface="+mn-cs"/>
+                        </a:rPr>
+                        <a:t>Living area size of 15 nearest properties in square feet</a:t>
+                      </a:r>
+                      <a:endParaRPr lang="en-US" sz="1100" dirty="0"/>
+                    </a:p>
+                  </a:txBody>
+                  <a:tcPr/>
+                </a:tc>
+                <a:extLst>
+                  <a:ext uri="{0D108BD9-81ED-4DB2-BD59-A6C34878D82A}">
+                    <a16:rowId xmlns:a16="http://schemas.microsoft.com/office/drawing/2014/main" val="3501478253"/>
+                  </a:ext>
+                </a:extLst>
+              </a:tr>
+              <a:tr h="239665">
+                <a:tc>
+                  <a:txBody>
+                    <a:bodyPr/>
+                    <a:lstStyle/>
+                    <a:p>
+                      <a:r>
+                        <a:rPr lang="en-US" sz="1100" b="0" i="0" kern="1200" dirty="0">
+                          <a:solidFill>
+                            <a:schemeClr val="dk1"/>
+                          </a:solidFill>
+                          <a:effectLst/>
+                          <a:latin typeface="+mn-lt"/>
+                          <a:ea typeface="+mn-ea"/>
+                          <a:cs typeface="+mn-cs"/>
+                        </a:rPr>
+                        <a:t>sqft_lot15</a:t>
+                      </a:r>
+                      <a:endParaRPr lang="en-US" sz="1100" dirty="0"/>
+                    </a:p>
+                  </a:txBody>
+                  <a:tcPr/>
+                </a:tc>
+                <a:tc>
+                  <a:txBody>
+                    <a:bodyPr/>
+                    <a:lstStyle/>
+                    <a:p>
+                      <a:r>
+                        <a:rPr lang="en-US" sz="1100" b="0" i="0" kern="1200" dirty="0">
+                          <a:solidFill>
+                            <a:schemeClr val="dk1"/>
+                          </a:solidFill>
+                          <a:effectLst/>
+                          <a:latin typeface="+mn-lt"/>
+                          <a:ea typeface="+mn-ea"/>
+                          <a:cs typeface="+mn-cs"/>
+                        </a:rPr>
+                        <a:t>Lot size of 15 nearest properties in square feet</a:t>
+                      </a:r>
+                      <a:endParaRPr lang="en-US" sz="1100" dirty="0"/>
+                    </a:p>
+                  </a:txBody>
+                  <a:tcPr/>
+                </a:tc>
+                <a:extLst>
+                  <a:ext uri="{0D108BD9-81ED-4DB2-BD59-A6C34878D82A}">
+                    <a16:rowId xmlns:a16="http://schemas.microsoft.com/office/drawing/2014/main" val="3388444142"/>
+                  </a:ext>
+                </a:extLst>
+              </a:tr>
+            </a:tbl>
+          </a:graphicData>
+        </a:graphic>
+      </p:graphicFrame>
+    </p:spTree>
+    <p:extLst>
+      <p:ext uri="{BB962C8B-B14F-4D97-AF65-F5344CB8AC3E}">
+        <p14:creationId xmlns:p14="http://schemas.microsoft.com/office/powerpoint/2010/main" val="2926644368"/>
+      </p:ext>
+    </p:extLst>
+  </p:cSld>
+  <p:clrMapOvr>
+    <a:masterClrMapping/>
+  </p:clrMapOvr>
+</p:sld>
+</file>
+
+<file path=ppt/slides/slide2.xml><?xml version="1.0" encoding="utf-8"?>
+<p:sld xmlns:a="http://schemas.openxmlformats.org/drawingml/2006/main" xmlns:r="http://schemas.openxmlformats.org/officeDocument/2006/relationships" xmlns:p="http://schemas.openxmlformats.org/presentationml/2006/main">
+  <p:cSld>
+    <p:spTree>
+      <p:nvGrpSpPr>
+        <p:cNvPr id="1" name=""/>
+        <p:cNvGrpSpPr/>
+        <p:nvPr/>
+      </p:nvGrpSpPr>
+      <p:grpSpPr>
+        <a:xfrm>
+          <a:off x="0" y="0"/>
+          <a:ext cx="0" cy="0"/>
+          <a:chOff x="0" y="0"/>
+          <a:chExt cx="0" cy="0"/>
+        </a:xfrm>
+      </p:grpSpPr>
+      <p:sp>
+        <p:nvSpPr>
+          <p:cNvPr id="3" name="Rectangle 2">
+            <a:extLst>
+              <a:ext uri="{FF2B5EF4-FFF2-40B4-BE49-F238E27FC236}">
+                <a16:creationId xmlns:a16="http://schemas.microsoft.com/office/drawing/2014/main" id="{8C6A9DB4-DF3D-0CCA-E4B9-CEF8BD84E481}"/>
+              </a:ext>
+            </a:extLst>
+          </p:cNvPr>
+          <p:cNvSpPr/>
+          <p:nvPr/>
+        </p:nvSpPr>
+        <p:spPr>
+          <a:xfrm>
+            <a:off x="471055" y="0"/>
+            <a:ext cx="489527" cy="6858000"/>
+          </a:xfrm>
+          <a:prstGeom prst="rect">
+            <a:avLst/>
+          </a:prstGeom>
+          <a:solidFill>
+            <a:schemeClr val="accent1">
+              <a:lumMod val="50000"/>
+            </a:schemeClr>
+          </a:solidFill>
+        </p:spPr>
+        <p:style>
+          <a:lnRef idx="2">
+            <a:schemeClr val="accent2">
+              <a:shade val="15000"/>
+            </a:schemeClr>
+          </a:lnRef>
+          <a:fillRef idx="1">
+            <a:schemeClr val="accent2"/>
+          </a:fillRef>
+          <a:effectRef idx="0">
+            <a:schemeClr val="accent2"/>
+          </a:effectRef>
+          <a:fontRef idx="minor">
+            <a:schemeClr val="lt1"/>
+          </a:fontRef>
+        </p:style>
+        <p:txBody>
+          <a:bodyPr rtlCol="0" anchor="ctr"/>
+          <a:lstStyle/>
+          <a:p>
+            <a:pPr algn="ctr"/>
+            <a:endParaRPr lang="en-US"/>
+          </a:p>
+        </p:txBody>
+      </p:sp>
+      <p:sp>
+        <p:nvSpPr>
+          <p:cNvPr id="4" name="Title 1">
+            <a:extLst>
+              <a:ext uri="{FF2B5EF4-FFF2-40B4-BE49-F238E27FC236}">
+                <a16:creationId xmlns:a16="http://schemas.microsoft.com/office/drawing/2014/main" id="{7D618A9B-5BBA-142C-86CF-C0ABCE804462}"/>
+              </a:ext>
+            </a:extLst>
+          </p:cNvPr>
+          <p:cNvSpPr txBox="1">
+            <a:spLocks/>
+          </p:cNvSpPr>
+          <p:nvPr/>
+        </p:nvSpPr>
+        <p:spPr>
+          <a:xfrm>
+            <a:off x="1273739" y="512064"/>
+            <a:ext cx="9872055" cy="6345936"/>
+          </a:xfrm>
+          <a:prstGeom prst="rect">
+            <a:avLst/>
+          </a:prstGeom>
+        </p:spPr>
+        <p:txBody>
+          <a:bodyPr vert="horz" lIns="91440" tIns="45720" rIns="91440" bIns="45720" rtlCol="0" anchor="b">
+            <a:noAutofit/>
+          </a:bodyPr>
+          <a:lstStyle>
+            <a:lvl1pPr algn="ctr" defTabSz="914400" rtl="0" eaLnBrk="1" latinLnBrk="0" hangingPunct="1">
+              <a:lnSpc>
+                <a:spcPct val="90000"/>
+              </a:lnSpc>
+              <a:spcBef>
+                <a:spcPct val="0"/>
+              </a:spcBef>
+              <a:buNone/>
+              <a:defRPr sz="6000" kern="1200">
+                <a:solidFill>
+                  <a:schemeClr val="tx1"/>
+                </a:solidFill>
+                <a:latin typeface="+mj-lt"/>
+                <a:ea typeface="+mj-ea"/>
+                <a:cs typeface="+mj-cs"/>
+              </a:defRPr>
+            </a:lvl1pPr>
+          </a:lstStyle>
+          <a:p>
+            <a:pPr algn="l"/>
             <a:r>
               <a:rPr lang="en-US" sz="2400" b="1" i="0" dirty="0">
                 <a:effectLst/>
@@ -9178,6 +11447,18 @@
                 <a:latin typeface="+mn-lt"/>
               </a:rPr>
               <a:t>Random Forest</a:t>
+            </a:r>
+          </a:p>
+          <a:p>
+            <a:pPr marL="342900" indent="-342900" algn="l">
+              <a:buFontTx/>
+              <a:buChar char="-"/>
+            </a:pPr>
+            <a:r>
+              <a:rPr lang="en-US" sz="2400" dirty="0">
+                <a:latin typeface="+mn-lt"/>
+              </a:rPr>
+              <a:t>Neural Network</a:t>
             </a:r>
           </a:p>
           <a:p>
@@ -9398,7 +11679,7 @@
           <p:nvPr>
             <p:extLst>
               <p:ext uri="{D42A27DB-BD31-4B8C-83A1-F6EECF244321}">
-                <p14:modId xmlns:p14="http://schemas.microsoft.com/office/powerpoint/2010/main" val="3542104627"/>
+                <p14:modId xmlns:p14="http://schemas.microsoft.com/office/powerpoint/2010/main" val="3077845067"/>
               </p:ext>
             </p:extLst>
           </p:nvPr>
@@ -9683,6 +11964,23 @@
                       <a:r>
                         <a:rPr lang="en-US" sz="1600" dirty="0"/>
                         <a:t>Matplotlib</a:t>
+                      </a:r>
+                    </a:p>
+                    <a:p>
+                      <a:pPr marL="285750" indent="-285750" algn="l" defTabSz="457200" rtl="0" eaLnBrk="1" latinLnBrk="0" hangingPunct="1">
+                        <a:buFont typeface="Arial" panose="020B0604020202020204" pitchFamily="34" charset="0"/>
+                        <a:buChar char="•"/>
+                      </a:pPr>
+                      <a:r>
+                        <a:rPr lang="en-US" sz="1600" kern="1200" dirty="0">
+                          <a:solidFill>
+                            <a:schemeClr val="dk1"/>
+                          </a:solidFill>
+                          <a:latin typeface="+mn-lt"/>
+                          <a:ea typeface="+mn-ea"/>
+                          <a:cs typeface="+mn-cs"/>
+                        </a:rPr>
+                        <a:t>TensorFlow</a:t>
                       </a:r>
                     </a:p>
                   </a:txBody>

--- a/Team6-RutgersProject04.pptx
+++ b/Team6-RutgersProject04.pptx
@@ -6938,7 +6938,7 @@
         </p:nvSpPr>
         <p:spPr>
           <a:xfrm>
-            <a:off x="1124891" y="2115632"/>
+            <a:off x="1124891" y="2133739"/>
             <a:ext cx="6878371" cy="3046988"/>
           </a:xfrm>
           <a:prstGeom prst="rect">

--- a/Team6-RutgersProject04.pptx
+++ b/Team6-RutgersProject04.pptx
@@ -371,7 +371,7 @@
           <a:p>
             <a:fld id="{F97813B8-5235-D54A-9E10-3C95313C75AB}" type="datetimeFigureOut">
               <a:rPr lang="en-US" smtClean="0"/>
-              <a:t>6/25/2024</a:t>
+              <a:t>6/27/2024</a:t>
             </a:fld>
             <a:endParaRPr lang="en-US"/>
           </a:p>
@@ -807,7 +807,7 @@
           <a:p>
             <a:fld id="{F97813B8-5235-D54A-9E10-3C95313C75AB}" type="datetimeFigureOut">
               <a:rPr lang="en-US" smtClean="0"/>
-              <a:t>6/25/2024</a:t>
+              <a:t>6/27/2024</a:t>
             </a:fld>
             <a:endParaRPr lang="en-US"/>
           </a:p>
@@ -1057,7 +1057,7 @@
           <a:p>
             <a:fld id="{F97813B8-5235-D54A-9E10-3C95313C75AB}" type="datetimeFigureOut">
               <a:rPr lang="en-US" smtClean="0"/>
-              <a:t>6/25/2024</a:t>
+              <a:t>6/27/2024</a:t>
             </a:fld>
             <a:endParaRPr lang="en-US"/>
           </a:p>
@@ -1365,7 +1365,7 @@
           <a:p>
             <a:fld id="{F97813B8-5235-D54A-9E10-3C95313C75AB}" type="datetimeFigureOut">
               <a:rPr lang="en-US" smtClean="0"/>
-              <a:t>6/25/2024</a:t>
+              <a:t>6/27/2024</a:t>
             </a:fld>
             <a:endParaRPr lang="en-US"/>
           </a:p>
@@ -1683,7 +1683,7 @@
           <a:p>
             <a:fld id="{F97813B8-5235-D54A-9E10-3C95313C75AB}" type="datetimeFigureOut">
               <a:rPr lang="en-US" smtClean="0"/>
-              <a:t>6/25/2024</a:t>
+              <a:t>6/27/2024</a:t>
             </a:fld>
             <a:endParaRPr lang="en-US"/>
           </a:p>
@@ -1985,7 +1985,7 @@
           <a:p>
             <a:fld id="{F97813B8-5235-D54A-9E10-3C95313C75AB}" type="datetimeFigureOut">
               <a:rPr lang="en-US" smtClean="0"/>
-              <a:t>6/25/2024</a:t>
+              <a:t>6/27/2024</a:t>
             </a:fld>
             <a:endParaRPr lang="en-US"/>
           </a:p>
@@ -2352,7 +2352,7 @@
           <a:p>
             <a:fld id="{F97813B8-5235-D54A-9E10-3C95313C75AB}" type="datetimeFigureOut">
               <a:rPr lang="en-US" smtClean="0"/>
-              <a:t>6/25/2024</a:t>
+              <a:t>6/27/2024</a:t>
             </a:fld>
             <a:endParaRPr lang="en-US"/>
           </a:p>
@@ -2526,7 +2526,7 @@
           <a:p>
             <a:fld id="{F97813B8-5235-D54A-9E10-3C95313C75AB}" type="datetimeFigureOut">
               <a:rPr lang="en-US" smtClean="0"/>
-              <a:t>6/25/2024</a:t>
+              <a:t>6/27/2024</a:t>
             </a:fld>
             <a:endParaRPr lang="en-US"/>
           </a:p>
@@ -2706,7 +2706,7 @@
           <a:p>
             <a:fld id="{F97813B8-5235-D54A-9E10-3C95313C75AB}" type="datetimeFigureOut">
               <a:rPr lang="en-US" smtClean="0"/>
-              <a:t>6/25/2024</a:t>
+              <a:t>6/27/2024</a:t>
             </a:fld>
             <a:endParaRPr lang="en-US"/>
           </a:p>
@@ -2876,7 +2876,7 @@
           <a:p>
             <a:fld id="{F97813B8-5235-D54A-9E10-3C95313C75AB}" type="datetimeFigureOut">
               <a:rPr lang="en-US" smtClean="0"/>
-              <a:t>6/25/2024</a:t>
+              <a:t>6/27/2024</a:t>
             </a:fld>
             <a:endParaRPr lang="en-US"/>
           </a:p>
@@ -3126,7 +3126,7 @@
           <a:p>
             <a:fld id="{F97813B8-5235-D54A-9E10-3C95313C75AB}" type="datetimeFigureOut">
               <a:rPr lang="en-US" smtClean="0"/>
-              <a:t>6/25/2024</a:t>
+              <a:t>6/27/2024</a:t>
             </a:fld>
             <a:endParaRPr lang="en-US"/>
           </a:p>
@@ -3362,7 +3362,7 @@
           <a:p>
             <a:fld id="{F97813B8-5235-D54A-9E10-3C95313C75AB}" type="datetimeFigureOut">
               <a:rPr lang="en-US" smtClean="0"/>
-              <a:t>6/25/2024</a:t>
+              <a:t>6/27/2024</a:t>
             </a:fld>
             <a:endParaRPr lang="en-US"/>
           </a:p>
@@ -3744,7 +3744,7 @@
           <a:p>
             <a:fld id="{F97813B8-5235-D54A-9E10-3C95313C75AB}" type="datetimeFigureOut">
               <a:rPr lang="en-US" smtClean="0"/>
-              <a:t>6/25/2024</a:t>
+              <a:t>6/27/2024</a:t>
             </a:fld>
             <a:endParaRPr lang="en-US"/>
           </a:p>
@@ -3862,7 +3862,7 @@
           <a:p>
             <a:fld id="{F97813B8-5235-D54A-9E10-3C95313C75AB}" type="datetimeFigureOut">
               <a:rPr lang="en-US" smtClean="0"/>
-              <a:t>6/25/2024</a:t>
+              <a:t>6/27/2024</a:t>
             </a:fld>
             <a:endParaRPr lang="en-US"/>
           </a:p>
@@ -3957,7 +3957,7 @@
           <a:p>
             <a:fld id="{F97813B8-5235-D54A-9E10-3C95313C75AB}" type="datetimeFigureOut">
               <a:rPr lang="en-US" smtClean="0"/>
-              <a:t>6/25/2024</a:t>
+              <a:t>6/27/2024</a:t>
             </a:fld>
             <a:endParaRPr lang="en-US"/>
           </a:p>
@@ -4212,7 +4212,7 @@
           <a:p>
             <a:fld id="{F97813B8-5235-D54A-9E10-3C95313C75AB}" type="datetimeFigureOut">
               <a:rPr lang="en-US" smtClean="0"/>
-              <a:t>6/25/2024</a:t>
+              <a:t>6/27/2024</a:t>
             </a:fld>
             <a:endParaRPr lang="en-US"/>
           </a:p>
@@ -4495,7 +4495,7 @@
           <a:p>
             <a:fld id="{F97813B8-5235-D54A-9E10-3C95313C75AB}" type="datetimeFigureOut">
               <a:rPr lang="en-US" smtClean="0"/>
-              <a:t>6/25/2024</a:t>
+              <a:t>6/27/2024</a:t>
             </a:fld>
             <a:endParaRPr lang="en-US"/>
           </a:p>
@@ -4901,7 +4901,7 @@
           <a:p>
             <a:fld id="{F97813B8-5235-D54A-9E10-3C95313C75AB}" type="datetimeFigureOut">
               <a:rPr lang="en-US" smtClean="0"/>
-              <a:t>6/25/2024</a:t>
+              <a:t>6/27/2024</a:t>
             </a:fld>
             <a:endParaRPr lang="en-US"/>
           </a:p>
@@ -9353,7 +9353,7 @@
                 <a:effectLst/>
                 <a:latin typeface="Google Sans"/>
               </a:rPr>
-              <a:t>usually need more data to achieve the same level of accuracy Random Forest gain little performance enhancements when a certain amount </a:t>
+              <a:t>usually need more data to achieve the same level of accuracy as Random Forest gains little performance enhancements when a certain amount </a:t>
             </a:r>
             <a:r>
               <a:rPr lang="en-US" dirty="0">

--- a/Team6-RutgersProject04.pptx
+++ b/Team6-RutgersProject04.pptx
@@ -11679,7 +11679,7 @@
           <p:nvPr>
             <p:extLst>
               <p:ext uri="{D42A27DB-BD31-4B8C-83A1-F6EECF244321}">
-                <p14:modId xmlns:p14="http://schemas.microsoft.com/office/powerpoint/2010/main" val="3077845067"/>
+                <p14:modId xmlns:p14="http://schemas.microsoft.com/office/powerpoint/2010/main" val="3446854445"/>
               </p:ext>
             </p:extLst>
           </p:nvPr>
@@ -12106,7 +12106,7 @@
                       </a:r>
                       <a:r>
                         <a:rPr lang="en-US" sz="1600" dirty="0"/>
-                        <a:t> Notebook, Visual Studio Code, and GitHub integration for team collaboration and code management lifecycle efficiently</a:t>
+                        <a:t> Notebook, Google Co-lab, Visual Studio Code, and GitHub integration for team collaboration and code management lifecycle efficiently</a:t>
                       </a:r>
                     </a:p>
                   </a:txBody>

--- a/Team6-RutgersProject04.pptx
+++ b/Team6-RutgersProject04.pptx
@@ -9951,7 +9951,7 @@
           <p:nvPr>
             <p:extLst>
               <p:ext uri="{D42A27DB-BD31-4B8C-83A1-F6EECF244321}">
-                <p14:modId xmlns:p14="http://schemas.microsoft.com/office/powerpoint/2010/main" val="3209597297"/>
+                <p14:modId xmlns:p14="http://schemas.microsoft.com/office/powerpoint/2010/main" val="884195265"/>
               </p:ext>
             </p:extLst>
           </p:nvPr>
@@ -10004,8 +10004,8 @@
                     <a:p>
                       <a:pPr algn="ctr"/>
                       <a:r>
-                        <a:rPr lang="en-US" dirty="0" err="1"/>
-                        <a:t>Defintion</a:t>
+                        <a:rPr lang="en-US"/>
+                        <a:t>Definition</a:t>
                       </a:r>
                       <a:endParaRPr lang="en-US" dirty="0"/>
                     </a:p>

--- a/Team6-RutgersProject04.pptx
+++ b/Team6-RutgersProject04.pptx
@@ -6115,8 +6115,8 @@
         </p:nvSpPr>
         <p:spPr>
           <a:xfrm>
-            <a:off x="960582" y="1555712"/>
-            <a:ext cx="4407408" cy="646331"/>
+            <a:off x="960581" y="1555712"/>
+            <a:ext cx="5856677" cy="646331"/>
           </a:xfrm>
           <a:prstGeom prst="rect">
             <a:avLst/>
@@ -6149,7 +6149,7 @@
           <a:p>
             <a:r>
               <a:rPr lang="en-US" dirty="0"/>
-              <a:t>Random Forest analysis came out to 0.84</a:t>
+              <a:t>Random Forest analysis came out to r2 score of 0.84</a:t>
             </a:r>
           </a:p>
         </p:txBody>
@@ -6728,7 +6728,7 @@
         <p:spPr>
           <a:xfrm>
             <a:off x="1124891" y="5310293"/>
-            <a:ext cx="4407408" cy="646331"/>
+            <a:ext cx="5330230" cy="646331"/>
           </a:xfrm>
           <a:prstGeom prst="rect">
             <a:avLst/>
@@ -6761,7 +6761,7 @@
           <a:p>
             <a:r>
               <a:rPr lang="en-US" dirty="0"/>
-              <a:t>Neural Network Analysis came out to 0.85</a:t>
+              <a:t>Neural Network Analysis came out to a r2 score of 0.85</a:t>
             </a:r>
           </a:p>
         </p:txBody>
@@ -14190,8 +14190,8 @@
         </p:nvSpPr>
         <p:spPr>
           <a:xfrm>
-            <a:off x="960582" y="1555712"/>
-            <a:ext cx="4407408" cy="646331"/>
+            <a:off x="960581" y="1555712"/>
+            <a:ext cx="5385897" cy="646331"/>
           </a:xfrm>
           <a:prstGeom prst="rect">
             <a:avLst/>
@@ -14224,7 +14224,7 @@
           <a:p>
             <a:r>
               <a:rPr lang="en-US" dirty="0"/>
-              <a:t>Decision Tree analysis came out to 0.61</a:t>
+              <a:t>Decision Tree analysis came out to a r2 score of 0.61</a:t>
             </a:r>
           </a:p>
         </p:txBody>
